--- a/JavaSE.pptx
+++ b/JavaSE.pptx
@@ -23,30 +23,40 @@
     <p:sldId id="268" r:id="rId17"/>
     <p:sldId id="269" r:id="rId18"/>
     <p:sldId id="270" r:id="rId19"/>
+    <p:sldId id="271" r:id="rId20"/>
+    <p:sldId id="272" r:id="rId21"/>
+    <p:sldId id="273" r:id="rId22"/>
+    <p:sldId id="274" r:id="rId23"/>
+    <p:sldId id="275" r:id="rId24"/>
+    <p:sldId id="276" r:id="rId25"/>
+    <p:sldId id="277" r:id="rId26"/>
+    <p:sldId id="278" r:id="rId27"/>
+    <p:sldId id="279" r:id="rId28"/>
+    <p:sldId id="280" r:id="rId29"/>
   </p:sldIdLst>
   <p:sldSz cy="6858000" cx="9144000"/>
   <p:notesSz cx="6858000" cy="9144000"/>
   <p:embeddedFontLst>
     <p:embeddedFont>
       <p:font typeface="Raleway"/>
-      <p:regular r:id="rId20"/>
-      <p:bold r:id="rId21"/>
-      <p:italic r:id="rId22"/>
-      <p:boldItalic r:id="rId23"/>
+      <p:regular r:id="rId30"/>
+      <p:bold r:id="rId31"/>
+      <p:italic r:id="rId32"/>
+      <p:boldItalic r:id="rId33"/>
     </p:embeddedFont>
     <p:embeddedFont>
       <p:font typeface="Lato"/>
-      <p:regular r:id="rId24"/>
-      <p:bold r:id="rId25"/>
-      <p:italic r:id="rId26"/>
-      <p:boldItalic r:id="rId27"/>
+      <p:regular r:id="rId34"/>
+      <p:bold r:id="rId35"/>
+      <p:italic r:id="rId36"/>
+      <p:boldItalic r:id="rId37"/>
     </p:embeddedFont>
     <p:embeddedFont>
       <p:font typeface="Cabin"/>
-      <p:regular r:id="rId28"/>
-      <p:bold r:id="rId29"/>
-      <p:italic r:id="rId30"/>
-      <p:boldItalic r:id="rId31"/>
+      <p:regular r:id="rId38"/>
+      <p:bold r:id="rId39"/>
+      <p:italic r:id="rId40"/>
+      <p:boldItalic r:id="rId41"/>
     </p:embeddedFont>
   </p:embeddedFontLst>
   <p:defaultTextStyle>
@@ -2443,12 +2453,12 @@
 </p:notes>
 </file>
 
-<file path=ppt/notesSlides/notesSlide2.xml><?xml version="1.0" encoding="utf-8"?>
+<file path=ppt/notesSlides/notesSlide16.xml><?xml version="1.0" encoding="utf-8"?>
 <p:notes xmlns:a="http://schemas.openxmlformats.org/drawingml/2006/main" xmlns:r="http://schemas.openxmlformats.org/officeDocument/2006/relationships" xmlns:mc="http://schemas.openxmlformats.org/markup-compatibility/2006" xmlns:mv="urn:schemas-microsoft-com:mac:vml" xmlns:p="http://schemas.openxmlformats.org/presentationml/2006/main" xmlns:c="http://schemas.openxmlformats.org/drawingml/2006/chart" xmlns:dgm="http://schemas.openxmlformats.org/drawingml/2006/diagram" xmlns:o="urn:schemas-microsoft-com:office:office" xmlns:v="urn:schemas-microsoft-com:vml" xmlns:pvml="urn:schemas-microsoft-com:office:powerpoint" xmlns:com="http://schemas.openxmlformats.org/drawingml/2006/compatibility" xmlns:p14="http://schemas.microsoft.com/office/powerpoint/2010/main" xmlns:p15="http://schemas.microsoft.com/office/powerpoint/2012/main" showMasterPhAnim="0" showMasterSp="0">
   <p:cSld>
     <p:spTree>
       <p:nvGrpSpPr>
-        <p:cNvPr id="101" name="Shape 101"/>
+        <p:cNvPr id="217" name="Shape 217"/>
         <p:cNvGrpSpPr/>
         <p:nvPr/>
       </p:nvGrpSpPr>
@@ -2462,14 +2472,14 @@
       </p:grpSpPr>
       <p:sp>
         <p:nvSpPr>
-          <p:cNvPr id="102" name="Shape 102"/>
+          <p:cNvPr id="218" name="Shape 218"/>
           <p:cNvSpPr txBox="1"/>
           <p:nvPr/>
         </p:nvSpPr>
         <p:spPr>
           <a:xfrm>
             <a:off x="3886200" y="8686800"/>
-            <a:ext cx="2967037" cy="452436"/>
+            <a:ext cx="2967000" cy="452400"/>
           </a:xfrm>
           <a:prstGeom prst="rect">
             <a:avLst/>
@@ -2519,7 +2529,7 @@
       </p:sp>
       <p:sp>
         <p:nvSpPr>
-          <p:cNvPr id="103" name="Shape 103"/>
+          <p:cNvPr id="219" name="Shape 219"/>
           <p:cNvSpPr/>
           <p:nvPr>
             <p:ph idx="2" type="sldImg"/>
@@ -2565,14 +2575,14 @@
       </p:sp>
       <p:sp>
         <p:nvSpPr>
-          <p:cNvPr id="104" name="Shape 104"/>
+          <p:cNvPr id="220" name="Shape 220"/>
           <p:cNvSpPr/>
           <p:nvPr/>
         </p:nvSpPr>
         <p:spPr>
           <a:xfrm>
             <a:off x="914400" y="4343400"/>
-            <a:ext cx="5029199" cy="4114800"/>
+            <a:ext cx="5029200" cy="4114800"/>
           </a:xfrm>
           <a:prstGeom prst="rect">
             <a:avLst/>
@@ -2617,6 +2627,870 @@
       </p:sp>
       <p:sp>
         <p:nvSpPr>
+          <p:cNvPr id="221" name="Shape 221"/>
+          <p:cNvSpPr txBox="1"/>
+          <p:nvPr>
+            <p:ph idx="1" type="body"/>
+          </p:nvPr>
+        </p:nvSpPr>
+        <p:spPr>
+          <a:xfrm>
+            <a:off x="914400" y="4343400"/>
+            <a:ext cx="5022900" cy="4108500"/>
+          </a:xfrm>
+          <a:prstGeom prst="rect">
+            <a:avLst/>
+          </a:prstGeom>
+        </p:spPr>
+        <p:txBody>
+          <a:bodyPr anchorCtr="0" anchor="t" bIns="91425" lIns="91425" rIns="91425" wrap="square" tIns="91425">
+            <a:noAutofit/>
+          </a:bodyPr>
+          <a:lstStyle/>
+          <a:p>
+            <a:pPr lvl="0" rtl="0">
+              <a:spcBef>
+                <a:spcPts val="0"/>
+              </a:spcBef>
+              <a:buNone/>
+            </a:pPr>
+            <a:r>
+              <a:t/>
+            </a:r>
+            <a:endParaRPr/>
+          </a:p>
+        </p:txBody>
+      </p:sp>
+    </p:spTree>
+  </p:cSld>
+  <p:clrMapOvr>
+    <a:masterClrMapping/>
+  </p:clrMapOvr>
+</p:notes>
+</file>
+
+<file path=ppt/notesSlides/notesSlide17.xml><?xml version="1.0" encoding="utf-8"?>
+<p:notes xmlns:a="http://schemas.openxmlformats.org/drawingml/2006/main" xmlns:r="http://schemas.openxmlformats.org/officeDocument/2006/relationships" xmlns:mc="http://schemas.openxmlformats.org/markup-compatibility/2006" xmlns:mv="urn:schemas-microsoft-com:mac:vml" xmlns:p="http://schemas.openxmlformats.org/presentationml/2006/main" xmlns:c="http://schemas.openxmlformats.org/drawingml/2006/chart" xmlns:dgm="http://schemas.openxmlformats.org/drawingml/2006/diagram" xmlns:o="urn:schemas-microsoft-com:office:office" xmlns:v="urn:schemas-microsoft-com:vml" xmlns:pvml="urn:schemas-microsoft-com:office:powerpoint" xmlns:com="http://schemas.openxmlformats.org/drawingml/2006/compatibility" xmlns:p14="http://schemas.microsoft.com/office/powerpoint/2010/main" xmlns:p15="http://schemas.microsoft.com/office/powerpoint/2012/main" showMasterPhAnim="0" showMasterSp="0">
+  <p:cSld>
+    <p:spTree>
+      <p:nvGrpSpPr>
+        <p:cNvPr id="226" name="Shape 226"/>
+        <p:cNvGrpSpPr/>
+        <p:nvPr/>
+      </p:nvGrpSpPr>
+      <p:grpSpPr>
+        <a:xfrm>
+          <a:off x="0" y="0"/>
+          <a:ext cx="0" cy="0"/>
+          <a:chOff x="0" y="0"/>
+          <a:chExt cx="0" cy="0"/>
+        </a:xfrm>
+      </p:grpSpPr>
+      <p:sp>
+        <p:nvSpPr>
+          <p:cNvPr id="227" name="Shape 227"/>
+          <p:cNvSpPr txBox="1"/>
+          <p:nvPr/>
+        </p:nvSpPr>
+        <p:spPr>
+          <a:xfrm>
+            <a:off x="3886200" y="8686800"/>
+            <a:ext cx="2967000" cy="452400"/>
+          </a:xfrm>
+          <a:prstGeom prst="rect">
+            <a:avLst/>
+          </a:prstGeom>
+          <a:noFill/>
+          <a:ln>
+            <a:noFill/>
+          </a:ln>
+        </p:spPr>
+        <p:txBody>
+          <a:bodyPr anchorCtr="0" anchor="b" bIns="46800" lIns="90000" rIns="90000" wrap="square" tIns="46800">
+            <a:noAutofit/>
+          </a:bodyPr>
+          <a:lstStyle/>
+          <a:p>
+            <a:pPr indent="0" lvl="0" marL="0" marR="0" rtl="0" algn="r">
+              <a:lnSpc>
+                <a:spcPct val="100000"/>
+              </a:lnSpc>
+              <a:spcBef>
+                <a:spcPts val="0"/>
+              </a:spcBef>
+              <a:spcAft>
+                <a:spcPts val="0"/>
+              </a:spcAft>
+              <a:buClr>
+                <a:srgbClr val="000000"/>
+              </a:buClr>
+              <a:buSzPct val="25000"/>
+              <a:buFont typeface="Arial"/>
+              <a:buNone/>
+            </a:pPr>
+            <a:fld id="{00000000-1234-1234-1234-123412341234}" type="slidenum">
+              <a:rPr b="0" i="0" lang="en-US" sz="1200" u="none">
+                <a:solidFill>
+                  <a:srgbClr val="000000"/>
+                </a:solidFill>
+                <a:latin typeface="Arial"/>
+                <a:ea typeface="Arial"/>
+                <a:cs typeface="Arial"/>
+                <a:sym typeface="Arial"/>
+              </a:rPr>
+              <a:t>‹#›</a:t>
+            </a:fld>
+          </a:p>
+        </p:txBody>
+      </p:sp>
+      <p:sp>
+        <p:nvSpPr>
+          <p:cNvPr id="228" name="Shape 228"/>
+          <p:cNvSpPr/>
+          <p:nvPr>
+            <p:ph idx="2" type="sldImg"/>
+          </p:nvPr>
+        </p:nvSpPr>
+        <p:spPr>
+          <a:xfrm>
+            <a:off x="1143000" y="685800"/>
+            <a:ext cx="4572000" cy="3429000"/>
+          </a:xfrm>
+          <a:custGeom>
+            <a:pathLst>
+              <a:path extrusionOk="0" h="120000" w="120000">
+                <a:moveTo>
+                  <a:pt x="0" y="0"/>
+                </a:moveTo>
+                <a:lnTo>
+                  <a:pt x="120000" y="0"/>
+                </a:lnTo>
+                <a:lnTo>
+                  <a:pt x="120000" y="120000"/>
+                </a:lnTo>
+                <a:lnTo>
+                  <a:pt x="0" y="120000"/>
+                </a:lnTo>
+                <a:close/>
+              </a:path>
+            </a:pathLst>
+          </a:custGeom>
+          <a:solidFill>
+            <a:srgbClr val="FFFFFF"/>
+          </a:solidFill>
+          <a:ln cap="flat" cmpd="sng" w="9525">
+            <a:solidFill>
+              <a:srgbClr val="000000"/>
+            </a:solidFill>
+            <a:prstDash val="solid"/>
+            <a:miter lim="800000"/>
+            <a:headEnd len="med" w="med" type="none"/>
+            <a:tailEnd len="med" w="med" type="none"/>
+          </a:ln>
+        </p:spPr>
+      </p:sp>
+      <p:sp>
+        <p:nvSpPr>
+          <p:cNvPr id="229" name="Shape 229"/>
+          <p:cNvSpPr/>
+          <p:nvPr/>
+        </p:nvSpPr>
+        <p:spPr>
+          <a:xfrm>
+            <a:off x="914400" y="4343400"/>
+            <a:ext cx="5029200" cy="4114800"/>
+          </a:xfrm>
+          <a:prstGeom prst="rect">
+            <a:avLst/>
+          </a:prstGeom>
+          <a:noFill/>
+          <a:ln>
+            <a:noFill/>
+          </a:ln>
+        </p:spPr>
+        <p:txBody>
+          <a:bodyPr anchorCtr="0" anchor="ctr" bIns="45700" lIns="91425" rIns="91425" wrap="square" tIns="45700">
+            <a:noAutofit/>
+          </a:bodyPr>
+          <a:lstStyle/>
+          <a:p>
+            <a:pPr indent="0" lvl="0" marL="0" marR="0" rtl="0" algn="l">
+              <a:lnSpc>
+                <a:spcPct val="100000"/>
+              </a:lnSpc>
+              <a:spcBef>
+                <a:spcPts val="0"/>
+              </a:spcBef>
+              <a:spcAft>
+                <a:spcPts val="0"/>
+              </a:spcAft>
+              <a:buNone/>
+            </a:pPr>
+            <a:r>
+              <a:t/>
+            </a:r>
+            <a:endParaRPr b="0" i="0" sz="2400" u="none">
+              <a:solidFill>
+                <a:srgbClr val="FFFFFF"/>
+              </a:solidFill>
+              <a:latin typeface="Times New Roman"/>
+              <a:ea typeface="Times New Roman"/>
+              <a:cs typeface="Times New Roman"/>
+              <a:sym typeface="Times New Roman"/>
+            </a:endParaRPr>
+          </a:p>
+        </p:txBody>
+      </p:sp>
+      <p:sp>
+        <p:nvSpPr>
+          <p:cNvPr id="230" name="Shape 230"/>
+          <p:cNvSpPr txBox="1"/>
+          <p:nvPr>
+            <p:ph idx="1" type="body"/>
+          </p:nvPr>
+        </p:nvSpPr>
+        <p:spPr>
+          <a:xfrm>
+            <a:off x="914400" y="4343400"/>
+            <a:ext cx="5022900" cy="4108500"/>
+          </a:xfrm>
+          <a:prstGeom prst="rect">
+            <a:avLst/>
+          </a:prstGeom>
+        </p:spPr>
+        <p:txBody>
+          <a:bodyPr anchorCtr="0" anchor="t" bIns="91425" lIns="91425" rIns="91425" wrap="square" tIns="91425">
+            <a:noAutofit/>
+          </a:bodyPr>
+          <a:lstStyle/>
+          <a:p>
+            <a:pPr lvl="0" rtl="0">
+              <a:spcBef>
+                <a:spcPts val="0"/>
+              </a:spcBef>
+              <a:buNone/>
+            </a:pPr>
+            <a:r>
+              <a:t/>
+            </a:r>
+            <a:endParaRPr/>
+          </a:p>
+        </p:txBody>
+      </p:sp>
+    </p:spTree>
+  </p:cSld>
+  <p:clrMapOvr>
+    <a:masterClrMapping/>
+  </p:clrMapOvr>
+</p:notes>
+</file>
+
+<file path=ppt/notesSlides/notesSlide18.xml><?xml version="1.0" encoding="utf-8"?>
+<p:notes xmlns:a="http://schemas.openxmlformats.org/drawingml/2006/main" xmlns:r="http://schemas.openxmlformats.org/officeDocument/2006/relationships" xmlns:mc="http://schemas.openxmlformats.org/markup-compatibility/2006" xmlns:mv="urn:schemas-microsoft-com:mac:vml" xmlns:p="http://schemas.openxmlformats.org/presentationml/2006/main" xmlns:c="http://schemas.openxmlformats.org/drawingml/2006/chart" xmlns:dgm="http://schemas.openxmlformats.org/drawingml/2006/diagram" xmlns:o="urn:schemas-microsoft-com:office:office" xmlns:v="urn:schemas-microsoft-com:vml" xmlns:pvml="urn:schemas-microsoft-com:office:powerpoint" xmlns:com="http://schemas.openxmlformats.org/drawingml/2006/compatibility" xmlns:p14="http://schemas.microsoft.com/office/powerpoint/2010/main" xmlns:p15="http://schemas.microsoft.com/office/powerpoint/2012/main" showMasterPhAnim="0" showMasterSp="0">
+  <p:cSld>
+    <p:spTree>
+      <p:nvGrpSpPr>
+        <p:cNvPr id="235" name="Shape 235"/>
+        <p:cNvGrpSpPr/>
+        <p:nvPr/>
+      </p:nvGrpSpPr>
+      <p:grpSpPr>
+        <a:xfrm>
+          <a:off x="0" y="0"/>
+          <a:ext cx="0" cy="0"/>
+          <a:chOff x="0" y="0"/>
+          <a:chExt cx="0" cy="0"/>
+        </a:xfrm>
+      </p:grpSpPr>
+      <p:sp>
+        <p:nvSpPr>
+          <p:cNvPr id="236" name="Shape 236"/>
+          <p:cNvSpPr txBox="1"/>
+          <p:nvPr/>
+        </p:nvSpPr>
+        <p:spPr>
+          <a:xfrm>
+            <a:off x="3886200" y="8686800"/>
+            <a:ext cx="2967000" cy="452400"/>
+          </a:xfrm>
+          <a:prstGeom prst="rect">
+            <a:avLst/>
+          </a:prstGeom>
+          <a:noFill/>
+          <a:ln>
+            <a:noFill/>
+          </a:ln>
+        </p:spPr>
+        <p:txBody>
+          <a:bodyPr anchorCtr="0" anchor="b" bIns="46800" lIns="90000" rIns="90000" wrap="square" tIns="46800">
+            <a:noAutofit/>
+          </a:bodyPr>
+          <a:lstStyle/>
+          <a:p>
+            <a:pPr indent="0" lvl="0" marL="0" marR="0" rtl="0" algn="r">
+              <a:lnSpc>
+                <a:spcPct val="100000"/>
+              </a:lnSpc>
+              <a:spcBef>
+                <a:spcPts val="0"/>
+              </a:spcBef>
+              <a:spcAft>
+                <a:spcPts val="0"/>
+              </a:spcAft>
+              <a:buClr>
+                <a:srgbClr val="000000"/>
+              </a:buClr>
+              <a:buSzPct val="25000"/>
+              <a:buFont typeface="Arial"/>
+              <a:buNone/>
+            </a:pPr>
+            <a:fld id="{00000000-1234-1234-1234-123412341234}" type="slidenum">
+              <a:rPr b="0" i="0" lang="en-US" sz="1200" u="none">
+                <a:solidFill>
+                  <a:srgbClr val="000000"/>
+                </a:solidFill>
+                <a:latin typeface="Arial"/>
+                <a:ea typeface="Arial"/>
+                <a:cs typeface="Arial"/>
+                <a:sym typeface="Arial"/>
+              </a:rPr>
+              <a:t>‹#›</a:t>
+            </a:fld>
+          </a:p>
+        </p:txBody>
+      </p:sp>
+      <p:sp>
+        <p:nvSpPr>
+          <p:cNvPr id="237" name="Shape 237"/>
+          <p:cNvSpPr/>
+          <p:nvPr>
+            <p:ph idx="2" type="sldImg"/>
+          </p:nvPr>
+        </p:nvSpPr>
+        <p:spPr>
+          <a:xfrm>
+            <a:off x="1143000" y="685800"/>
+            <a:ext cx="4572000" cy="3429000"/>
+          </a:xfrm>
+          <a:custGeom>
+            <a:pathLst>
+              <a:path extrusionOk="0" h="120000" w="120000">
+                <a:moveTo>
+                  <a:pt x="0" y="0"/>
+                </a:moveTo>
+                <a:lnTo>
+                  <a:pt x="120000" y="0"/>
+                </a:lnTo>
+                <a:lnTo>
+                  <a:pt x="120000" y="120000"/>
+                </a:lnTo>
+                <a:lnTo>
+                  <a:pt x="0" y="120000"/>
+                </a:lnTo>
+                <a:close/>
+              </a:path>
+            </a:pathLst>
+          </a:custGeom>
+          <a:solidFill>
+            <a:srgbClr val="FFFFFF"/>
+          </a:solidFill>
+          <a:ln cap="flat" cmpd="sng" w="9525">
+            <a:solidFill>
+              <a:srgbClr val="000000"/>
+            </a:solidFill>
+            <a:prstDash val="solid"/>
+            <a:miter lim="800000"/>
+            <a:headEnd len="med" w="med" type="none"/>
+            <a:tailEnd len="med" w="med" type="none"/>
+          </a:ln>
+        </p:spPr>
+      </p:sp>
+      <p:sp>
+        <p:nvSpPr>
+          <p:cNvPr id="238" name="Shape 238"/>
+          <p:cNvSpPr/>
+          <p:nvPr/>
+        </p:nvSpPr>
+        <p:spPr>
+          <a:xfrm>
+            <a:off x="914400" y="4343400"/>
+            <a:ext cx="5029200" cy="4114800"/>
+          </a:xfrm>
+          <a:prstGeom prst="rect">
+            <a:avLst/>
+          </a:prstGeom>
+          <a:noFill/>
+          <a:ln>
+            <a:noFill/>
+          </a:ln>
+        </p:spPr>
+        <p:txBody>
+          <a:bodyPr anchorCtr="0" anchor="ctr" bIns="45700" lIns="91425" rIns="91425" wrap="square" tIns="45700">
+            <a:noAutofit/>
+          </a:bodyPr>
+          <a:lstStyle/>
+          <a:p>
+            <a:pPr indent="0" lvl="0" marL="0" marR="0" rtl="0" algn="l">
+              <a:lnSpc>
+                <a:spcPct val="100000"/>
+              </a:lnSpc>
+              <a:spcBef>
+                <a:spcPts val="0"/>
+              </a:spcBef>
+              <a:spcAft>
+                <a:spcPts val="0"/>
+              </a:spcAft>
+              <a:buNone/>
+            </a:pPr>
+            <a:r>
+              <a:t/>
+            </a:r>
+            <a:endParaRPr b="0" i="0" sz="2400" u="none">
+              <a:solidFill>
+                <a:srgbClr val="FFFFFF"/>
+              </a:solidFill>
+              <a:latin typeface="Times New Roman"/>
+              <a:ea typeface="Times New Roman"/>
+              <a:cs typeface="Times New Roman"/>
+              <a:sym typeface="Times New Roman"/>
+            </a:endParaRPr>
+          </a:p>
+        </p:txBody>
+      </p:sp>
+      <p:sp>
+        <p:nvSpPr>
+          <p:cNvPr id="239" name="Shape 239"/>
+          <p:cNvSpPr txBox="1"/>
+          <p:nvPr>
+            <p:ph idx="1" type="body"/>
+          </p:nvPr>
+        </p:nvSpPr>
+        <p:spPr>
+          <a:xfrm>
+            <a:off x="914400" y="4343400"/>
+            <a:ext cx="5022900" cy="4108500"/>
+          </a:xfrm>
+          <a:prstGeom prst="rect">
+            <a:avLst/>
+          </a:prstGeom>
+        </p:spPr>
+        <p:txBody>
+          <a:bodyPr anchorCtr="0" anchor="t" bIns="91425" lIns="91425" rIns="91425" wrap="square" tIns="91425">
+            <a:noAutofit/>
+          </a:bodyPr>
+          <a:lstStyle/>
+          <a:p>
+            <a:pPr lvl="0" rtl="0">
+              <a:spcBef>
+                <a:spcPts val="0"/>
+              </a:spcBef>
+              <a:buNone/>
+            </a:pPr>
+            <a:r>
+              <a:t/>
+            </a:r>
+            <a:endParaRPr/>
+          </a:p>
+        </p:txBody>
+      </p:sp>
+    </p:spTree>
+  </p:cSld>
+  <p:clrMapOvr>
+    <a:masterClrMapping/>
+  </p:clrMapOvr>
+</p:notes>
+</file>
+
+<file path=ppt/notesSlides/notesSlide19.xml><?xml version="1.0" encoding="utf-8"?>
+<p:notes xmlns:a="http://schemas.openxmlformats.org/drawingml/2006/main" xmlns:r="http://schemas.openxmlformats.org/officeDocument/2006/relationships" xmlns:mc="http://schemas.openxmlformats.org/markup-compatibility/2006" xmlns:mv="urn:schemas-microsoft-com:mac:vml" xmlns:p="http://schemas.openxmlformats.org/presentationml/2006/main" xmlns:c="http://schemas.openxmlformats.org/drawingml/2006/chart" xmlns:dgm="http://schemas.openxmlformats.org/drawingml/2006/diagram" xmlns:o="urn:schemas-microsoft-com:office:office" xmlns:v="urn:schemas-microsoft-com:vml" xmlns:pvml="urn:schemas-microsoft-com:office:powerpoint" xmlns:com="http://schemas.openxmlformats.org/drawingml/2006/compatibility" xmlns:p14="http://schemas.microsoft.com/office/powerpoint/2010/main" xmlns:p15="http://schemas.microsoft.com/office/powerpoint/2012/main" showMasterPhAnim="0" showMasterSp="0">
+  <p:cSld>
+    <p:spTree>
+      <p:nvGrpSpPr>
+        <p:cNvPr id="244" name="Shape 244"/>
+        <p:cNvGrpSpPr/>
+        <p:nvPr/>
+      </p:nvGrpSpPr>
+      <p:grpSpPr>
+        <a:xfrm>
+          <a:off x="0" y="0"/>
+          <a:ext cx="0" cy="0"/>
+          <a:chOff x="0" y="0"/>
+          <a:chExt cx="0" cy="0"/>
+        </a:xfrm>
+      </p:grpSpPr>
+      <p:sp>
+        <p:nvSpPr>
+          <p:cNvPr id="245" name="Shape 245"/>
+          <p:cNvSpPr txBox="1"/>
+          <p:nvPr/>
+        </p:nvSpPr>
+        <p:spPr>
+          <a:xfrm>
+            <a:off x="3886200" y="8686800"/>
+            <a:ext cx="2967000" cy="452400"/>
+          </a:xfrm>
+          <a:prstGeom prst="rect">
+            <a:avLst/>
+          </a:prstGeom>
+          <a:noFill/>
+          <a:ln>
+            <a:noFill/>
+          </a:ln>
+        </p:spPr>
+        <p:txBody>
+          <a:bodyPr anchorCtr="0" anchor="b" bIns="46800" lIns="90000" rIns="90000" wrap="square" tIns="46800">
+            <a:noAutofit/>
+          </a:bodyPr>
+          <a:lstStyle/>
+          <a:p>
+            <a:pPr indent="0" lvl="0" marL="0" marR="0" rtl="0" algn="r">
+              <a:lnSpc>
+                <a:spcPct val="100000"/>
+              </a:lnSpc>
+              <a:spcBef>
+                <a:spcPts val="0"/>
+              </a:spcBef>
+              <a:spcAft>
+                <a:spcPts val="0"/>
+              </a:spcAft>
+              <a:buClr>
+                <a:srgbClr val="000000"/>
+              </a:buClr>
+              <a:buSzPct val="25000"/>
+              <a:buFont typeface="Arial"/>
+              <a:buNone/>
+            </a:pPr>
+            <a:fld id="{00000000-1234-1234-1234-123412341234}" type="slidenum">
+              <a:rPr b="0" i="0" lang="en-US" sz="1200" u="none">
+                <a:solidFill>
+                  <a:srgbClr val="000000"/>
+                </a:solidFill>
+                <a:latin typeface="Arial"/>
+                <a:ea typeface="Arial"/>
+                <a:cs typeface="Arial"/>
+                <a:sym typeface="Arial"/>
+              </a:rPr>
+              <a:t>‹#›</a:t>
+            </a:fld>
+          </a:p>
+        </p:txBody>
+      </p:sp>
+      <p:sp>
+        <p:nvSpPr>
+          <p:cNvPr id="246" name="Shape 246"/>
+          <p:cNvSpPr/>
+          <p:nvPr>
+            <p:ph idx="2" type="sldImg"/>
+          </p:nvPr>
+        </p:nvSpPr>
+        <p:spPr>
+          <a:xfrm>
+            <a:off x="1143000" y="685800"/>
+            <a:ext cx="4572000" cy="3429000"/>
+          </a:xfrm>
+          <a:custGeom>
+            <a:pathLst>
+              <a:path extrusionOk="0" h="120000" w="120000">
+                <a:moveTo>
+                  <a:pt x="0" y="0"/>
+                </a:moveTo>
+                <a:lnTo>
+                  <a:pt x="120000" y="0"/>
+                </a:lnTo>
+                <a:lnTo>
+                  <a:pt x="120000" y="120000"/>
+                </a:lnTo>
+                <a:lnTo>
+                  <a:pt x="0" y="120000"/>
+                </a:lnTo>
+                <a:close/>
+              </a:path>
+            </a:pathLst>
+          </a:custGeom>
+          <a:solidFill>
+            <a:srgbClr val="FFFFFF"/>
+          </a:solidFill>
+          <a:ln cap="flat" cmpd="sng" w="9525">
+            <a:solidFill>
+              <a:srgbClr val="000000"/>
+            </a:solidFill>
+            <a:prstDash val="solid"/>
+            <a:miter lim="800000"/>
+            <a:headEnd len="med" w="med" type="none"/>
+            <a:tailEnd len="med" w="med" type="none"/>
+          </a:ln>
+        </p:spPr>
+      </p:sp>
+      <p:sp>
+        <p:nvSpPr>
+          <p:cNvPr id="247" name="Shape 247"/>
+          <p:cNvSpPr/>
+          <p:nvPr/>
+        </p:nvSpPr>
+        <p:spPr>
+          <a:xfrm>
+            <a:off x="914400" y="4343400"/>
+            <a:ext cx="5029200" cy="4114800"/>
+          </a:xfrm>
+          <a:prstGeom prst="rect">
+            <a:avLst/>
+          </a:prstGeom>
+          <a:noFill/>
+          <a:ln>
+            <a:noFill/>
+          </a:ln>
+        </p:spPr>
+        <p:txBody>
+          <a:bodyPr anchorCtr="0" anchor="ctr" bIns="45700" lIns="91425" rIns="91425" wrap="square" tIns="45700">
+            <a:noAutofit/>
+          </a:bodyPr>
+          <a:lstStyle/>
+          <a:p>
+            <a:pPr indent="0" lvl="0" marL="0" marR="0" rtl="0" algn="l">
+              <a:lnSpc>
+                <a:spcPct val="100000"/>
+              </a:lnSpc>
+              <a:spcBef>
+                <a:spcPts val="0"/>
+              </a:spcBef>
+              <a:spcAft>
+                <a:spcPts val="0"/>
+              </a:spcAft>
+              <a:buNone/>
+            </a:pPr>
+            <a:r>
+              <a:t/>
+            </a:r>
+            <a:endParaRPr b="0" i="0" sz="2400" u="none">
+              <a:solidFill>
+                <a:srgbClr val="FFFFFF"/>
+              </a:solidFill>
+              <a:latin typeface="Times New Roman"/>
+              <a:ea typeface="Times New Roman"/>
+              <a:cs typeface="Times New Roman"/>
+              <a:sym typeface="Times New Roman"/>
+            </a:endParaRPr>
+          </a:p>
+        </p:txBody>
+      </p:sp>
+      <p:sp>
+        <p:nvSpPr>
+          <p:cNvPr id="248" name="Shape 248"/>
+          <p:cNvSpPr txBox="1"/>
+          <p:nvPr>
+            <p:ph idx="1" type="body"/>
+          </p:nvPr>
+        </p:nvSpPr>
+        <p:spPr>
+          <a:xfrm>
+            <a:off x="914400" y="4343400"/>
+            <a:ext cx="5022900" cy="4108500"/>
+          </a:xfrm>
+          <a:prstGeom prst="rect">
+            <a:avLst/>
+          </a:prstGeom>
+        </p:spPr>
+        <p:txBody>
+          <a:bodyPr anchorCtr="0" anchor="t" bIns="91425" lIns="91425" rIns="91425" wrap="square" tIns="91425">
+            <a:noAutofit/>
+          </a:bodyPr>
+          <a:lstStyle/>
+          <a:p>
+            <a:pPr lvl="0" rtl="0">
+              <a:spcBef>
+                <a:spcPts val="0"/>
+              </a:spcBef>
+              <a:buNone/>
+            </a:pPr>
+            <a:r>
+              <a:t/>
+            </a:r>
+            <a:endParaRPr/>
+          </a:p>
+        </p:txBody>
+      </p:sp>
+    </p:spTree>
+  </p:cSld>
+  <p:clrMapOvr>
+    <a:masterClrMapping/>
+  </p:clrMapOvr>
+</p:notes>
+</file>
+
+<file path=ppt/notesSlides/notesSlide2.xml><?xml version="1.0" encoding="utf-8"?>
+<p:notes xmlns:a="http://schemas.openxmlformats.org/drawingml/2006/main" xmlns:r="http://schemas.openxmlformats.org/officeDocument/2006/relationships" xmlns:mc="http://schemas.openxmlformats.org/markup-compatibility/2006" xmlns:mv="urn:schemas-microsoft-com:mac:vml" xmlns:p="http://schemas.openxmlformats.org/presentationml/2006/main" xmlns:c="http://schemas.openxmlformats.org/drawingml/2006/chart" xmlns:dgm="http://schemas.openxmlformats.org/drawingml/2006/diagram" xmlns:o="urn:schemas-microsoft-com:office:office" xmlns:v="urn:schemas-microsoft-com:vml" xmlns:pvml="urn:schemas-microsoft-com:office:powerpoint" xmlns:com="http://schemas.openxmlformats.org/drawingml/2006/compatibility" xmlns:p14="http://schemas.microsoft.com/office/powerpoint/2010/main" xmlns:p15="http://schemas.microsoft.com/office/powerpoint/2012/main" showMasterPhAnim="0" showMasterSp="0">
+  <p:cSld>
+    <p:spTree>
+      <p:nvGrpSpPr>
+        <p:cNvPr id="101" name="Shape 101"/>
+        <p:cNvGrpSpPr/>
+        <p:nvPr/>
+      </p:nvGrpSpPr>
+      <p:grpSpPr>
+        <a:xfrm>
+          <a:off x="0" y="0"/>
+          <a:ext cx="0" cy="0"/>
+          <a:chOff x="0" y="0"/>
+          <a:chExt cx="0" cy="0"/>
+        </a:xfrm>
+      </p:grpSpPr>
+      <p:sp>
+        <p:nvSpPr>
+          <p:cNvPr id="102" name="Shape 102"/>
+          <p:cNvSpPr txBox="1"/>
+          <p:nvPr/>
+        </p:nvSpPr>
+        <p:spPr>
+          <a:xfrm>
+            <a:off x="3886200" y="8686800"/>
+            <a:ext cx="2967037" cy="452436"/>
+          </a:xfrm>
+          <a:prstGeom prst="rect">
+            <a:avLst/>
+          </a:prstGeom>
+          <a:noFill/>
+          <a:ln>
+            <a:noFill/>
+          </a:ln>
+        </p:spPr>
+        <p:txBody>
+          <a:bodyPr anchorCtr="0" anchor="b" bIns="46800" lIns="90000" rIns="90000" wrap="square" tIns="46800">
+            <a:noAutofit/>
+          </a:bodyPr>
+          <a:lstStyle/>
+          <a:p>
+            <a:pPr indent="0" lvl="0" marL="0" marR="0" rtl="0" algn="r">
+              <a:lnSpc>
+                <a:spcPct val="100000"/>
+              </a:lnSpc>
+              <a:spcBef>
+                <a:spcPts val="0"/>
+              </a:spcBef>
+              <a:spcAft>
+                <a:spcPts val="0"/>
+              </a:spcAft>
+              <a:buClr>
+                <a:srgbClr val="000000"/>
+              </a:buClr>
+              <a:buSzPct val="25000"/>
+              <a:buFont typeface="Arial"/>
+              <a:buNone/>
+            </a:pPr>
+            <a:fld id="{00000000-1234-1234-1234-123412341234}" type="slidenum">
+              <a:rPr b="0" i="0" lang="en-US" sz="1200" u="none">
+                <a:solidFill>
+                  <a:srgbClr val="000000"/>
+                </a:solidFill>
+                <a:latin typeface="Arial"/>
+                <a:ea typeface="Arial"/>
+                <a:cs typeface="Arial"/>
+                <a:sym typeface="Arial"/>
+              </a:rPr>
+              <a:t>‹#›</a:t>
+            </a:fld>
+          </a:p>
+        </p:txBody>
+      </p:sp>
+      <p:sp>
+        <p:nvSpPr>
+          <p:cNvPr id="103" name="Shape 103"/>
+          <p:cNvSpPr/>
+          <p:nvPr>
+            <p:ph idx="2" type="sldImg"/>
+          </p:nvPr>
+        </p:nvSpPr>
+        <p:spPr>
+          <a:xfrm>
+            <a:off x="1143000" y="685800"/>
+            <a:ext cx="4572000" cy="3429000"/>
+          </a:xfrm>
+          <a:custGeom>
+            <a:pathLst>
+              <a:path extrusionOk="0" h="120000" w="120000">
+                <a:moveTo>
+                  <a:pt x="0" y="0"/>
+                </a:moveTo>
+                <a:lnTo>
+                  <a:pt x="120000" y="0"/>
+                </a:lnTo>
+                <a:lnTo>
+                  <a:pt x="120000" y="120000"/>
+                </a:lnTo>
+                <a:lnTo>
+                  <a:pt x="0" y="120000"/>
+                </a:lnTo>
+                <a:close/>
+              </a:path>
+            </a:pathLst>
+          </a:custGeom>
+          <a:solidFill>
+            <a:srgbClr val="FFFFFF"/>
+          </a:solidFill>
+          <a:ln cap="flat" cmpd="sng" w="9525">
+            <a:solidFill>
+              <a:srgbClr val="000000"/>
+            </a:solidFill>
+            <a:prstDash val="solid"/>
+            <a:miter lim="800000"/>
+            <a:headEnd len="med" w="med" type="none"/>
+            <a:tailEnd len="med" w="med" type="none"/>
+          </a:ln>
+        </p:spPr>
+      </p:sp>
+      <p:sp>
+        <p:nvSpPr>
+          <p:cNvPr id="104" name="Shape 104"/>
+          <p:cNvSpPr/>
+          <p:nvPr/>
+        </p:nvSpPr>
+        <p:spPr>
+          <a:xfrm>
+            <a:off x="914400" y="4343400"/>
+            <a:ext cx="5029199" cy="4114800"/>
+          </a:xfrm>
+          <a:prstGeom prst="rect">
+            <a:avLst/>
+          </a:prstGeom>
+          <a:noFill/>
+          <a:ln>
+            <a:noFill/>
+          </a:ln>
+        </p:spPr>
+        <p:txBody>
+          <a:bodyPr anchorCtr="0" anchor="ctr" bIns="45700" lIns="91425" rIns="91425" wrap="square" tIns="45700">
+            <a:noAutofit/>
+          </a:bodyPr>
+          <a:lstStyle/>
+          <a:p>
+            <a:pPr indent="0" lvl="0" marL="0" marR="0" rtl="0" algn="l">
+              <a:lnSpc>
+                <a:spcPct val="100000"/>
+              </a:lnSpc>
+              <a:spcBef>
+                <a:spcPts val="0"/>
+              </a:spcBef>
+              <a:spcAft>
+                <a:spcPts val="0"/>
+              </a:spcAft>
+              <a:buNone/>
+            </a:pPr>
+            <a:r>
+              <a:t/>
+            </a:r>
+            <a:endParaRPr b="0" i="0" sz="2400" u="none">
+              <a:solidFill>
+                <a:srgbClr val="FFFFFF"/>
+              </a:solidFill>
+              <a:latin typeface="Times New Roman"/>
+              <a:ea typeface="Times New Roman"/>
+              <a:cs typeface="Times New Roman"/>
+              <a:sym typeface="Times New Roman"/>
+            </a:endParaRPr>
+          </a:p>
+        </p:txBody>
+      </p:sp>
+      <p:sp>
+        <p:nvSpPr>
           <p:cNvPr id="105" name="Shape 105"/>
           <p:cNvSpPr txBox="1"/>
           <p:nvPr>
@@ -2648,6 +3522,996 @@
               <a:t/>
             </a:r>
             <a:endParaRPr/>
+          </a:p>
+        </p:txBody>
+      </p:sp>
+    </p:spTree>
+  </p:cSld>
+  <p:clrMapOvr>
+    <a:masterClrMapping/>
+  </p:clrMapOvr>
+</p:notes>
+</file>
+
+<file path=ppt/notesSlides/notesSlide20.xml><?xml version="1.0" encoding="utf-8"?>
+<p:notes xmlns:a="http://schemas.openxmlformats.org/drawingml/2006/main" xmlns:r="http://schemas.openxmlformats.org/officeDocument/2006/relationships" xmlns:mc="http://schemas.openxmlformats.org/markup-compatibility/2006" xmlns:mv="urn:schemas-microsoft-com:mac:vml" xmlns:p="http://schemas.openxmlformats.org/presentationml/2006/main" xmlns:c="http://schemas.openxmlformats.org/drawingml/2006/chart" xmlns:dgm="http://schemas.openxmlformats.org/drawingml/2006/diagram" xmlns:o="urn:schemas-microsoft-com:office:office" xmlns:v="urn:schemas-microsoft-com:vml" xmlns:pvml="urn:schemas-microsoft-com:office:powerpoint" xmlns:com="http://schemas.openxmlformats.org/drawingml/2006/compatibility" xmlns:p14="http://schemas.microsoft.com/office/powerpoint/2010/main" xmlns:p15="http://schemas.microsoft.com/office/powerpoint/2012/main" showMasterPhAnim="0" showMasterSp="0">
+  <p:cSld>
+    <p:spTree>
+      <p:nvGrpSpPr>
+        <p:cNvPr id="253" name="Shape 253"/>
+        <p:cNvGrpSpPr/>
+        <p:nvPr/>
+      </p:nvGrpSpPr>
+      <p:grpSpPr>
+        <a:xfrm>
+          <a:off x="0" y="0"/>
+          <a:ext cx="0" cy="0"/>
+          <a:chOff x="0" y="0"/>
+          <a:chExt cx="0" cy="0"/>
+        </a:xfrm>
+      </p:grpSpPr>
+      <p:sp>
+        <p:nvSpPr>
+          <p:cNvPr id="254" name="Shape 254"/>
+          <p:cNvSpPr/>
+          <p:nvPr>
+            <p:ph idx="2" type="sldImg"/>
+          </p:nvPr>
+        </p:nvSpPr>
+        <p:spPr>
+          <a:xfrm>
+            <a:off x="1143000" y="685800"/>
+            <a:ext cx="4567200" cy="3424200"/>
+          </a:xfrm>
+          <a:custGeom>
+            <a:pathLst>
+              <a:path extrusionOk="0" h="120000" w="120000">
+                <a:moveTo>
+                  <a:pt x="0" y="0"/>
+                </a:moveTo>
+                <a:lnTo>
+                  <a:pt x="120000" y="0"/>
+                </a:lnTo>
+                <a:lnTo>
+                  <a:pt x="120000" y="120000"/>
+                </a:lnTo>
+                <a:lnTo>
+                  <a:pt x="0" y="120000"/>
+                </a:lnTo>
+                <a:close/>
+              </a:path>
+            </a:pathLst>
+          </a:custGeom>
+          <a:solidFill>
+            <a:srgbClr val="FFFFFF"/>
+          </a:solidFill>
+          <a:ln cap="flat" cmpd="sng" w="9525">
+            <a:solidFill>
+              <a:srgbClr val="000000"/>
+            </a:solidFill>
+            <a:prstDash val="solid"/>
+            <a:miter lim="800000"/>
+            <a:headEnd len="med" w="med" type="none"/>
+            <a:tailEnd len="med" w="med" type="none"/>
+          </a:ln>
+        </p:spPr>
+      </p:sp>
+      <p:sp>
+        <p:nvSpPr>
+          <p:cNvPr id="255" name="Shape 255"/>
+          <p:cNvSpPr txBox="1"/>
+          <p:nvPr>
+            <p:ph idx="1" type="body"/>
+          </p:nvPr>
+        </p:nvSpPr>
+        <p:spPr>
+          <a:xfrm>
+            <a:off x="914400" y="4343400"/>
+            <a:ext cx="5024400" cy="4110000"/>
+          </a:xfrm>
+          <a:prstGeom prst="rect">
+            <a:avLst/>
+          </a:prstGeom>
+          <a:noFill/>
+          <a:ln>
+            <a:noFill/>
+          </a:ln>
+        </p:spPr>
+        <p:txBody>
+          <a:bodyPr anchorCtr="0" anchor="ctr" bIns="46800" lIns="90000" rIns="90000" wrap="square" tIns="46800">
+            <a:noAutofit/>
+          </a:bodyPr>
+          <a:lstStyle/>
+          <a:p>
+            <a:pPr indent="0" lvl="0" marL="0" marR="0" rtl="0" algn="l">
+              <a:spcBef>
+                <a:spcPts val="0"/>
+              </a:spcBef>
+              <a:buSzPct val="25000"/>
+              <a:buNone/>
+            </a:pPr>
+            <a:r>
+              <a:t/>
+            </a:r>
+            <a:endParaRPr b="0" i="0" sz="1800" u="none" cap="none" strike="noStrike"/>
+          </a:p>
+        </p:txBody>
+      </p:sp>
+    </p:spTree>
+  </p:cSld>
+  <p:clrMapOvr>
+    <a:masterClrMapping/>
+  </p:clrMapOvr>
+</p:notes>
+</file>
+
+<file path=ppt/notesSlides/notesSlide21.xml><?xml version="1.0" encoding="utf-8"?>
+<p:notes xmlns:a="http://schemas.openxmlformats.org/drawingml/2006/main" xmlns:r="http://schemas.openxmlformats.org/officeDocument/2006/relationships" xmlns:mc="http://schemas.openxmlformats.org/markup-compatibility/2006" xmlns:mv="urn:schemas-microsoft-com:mac:vml" xmlns:p="http://schemas.openxmlformats.org/presentationml/2006/main" xmlns:c="http://schemas.openxmlformats.org/drawingml/2006/chart" xmlns:dgm="http://schemas.openxmlformats.org/drawingml/2006/diagram" xmlns:o="urn:schemas-microsoft-com:office:office" xmlns:v="urn:schemas-microsoft-com:vml" xmlns:pvml="urn:schemas-microsoft-com:office:powerpoint" xmlns:com="http://schemas.openxmlformats.org/drawingml/2006/compatibility" xmlns:p14="http://schemas.microsoft.com/office/powerpoint/2010/main" xmlns:p15="http://schemas.microsoft.com/office/powerpoint/2012/main" showMasterPhAnim="0" showMasterSp="0">
+  <p:cSld>
+    <p:spTree>
+      <p:nvGrpSpPr>
+        <p:cNvPr id="259" name="Shape 259"/>
+        <p:cNvGrpSpPr/>
+        <p:nvPr/>
+      </p:nvGrpSpPr>
+      <p:grpSpPr>
+        <a:xfrm>
+          <a:off x="0" y="0"/>
+          <a:ext cx="0" cy="0"/>
+          <a:chOff x="0" y="0"/>
+          <a:chExt cx="0" cy="0"/>
+        </a:xfrm>
+      </p:grpSpPr>
+      <p:sp>
+        <p:nvSpPr>
+          <p:cNvPr id="260" name="Shape 260"/>
+          <p:cNvSpPr txBox="1"/>
+          <p:nvPr/>
+        </p:nvSpPr>
+        <p:spPr>
+          <a:xfrm>
+            <a:off x="3886200" y="8686800"/>
+            <a:ext cx="2967000" cy="452400"/>
+          </a:xfrm>
+          <a:prstGeom prst="rect">
+            <a:avLst/>
+          </a:prstGeom>
+          <a:noFill/>
+          <a:ln>
+            <a:noFill/>
+          </a:ln>
+        </p:spPr>
+        <p:txBody>
+          <a:bodyPr anchorCtr="0" anchor="b" bIns="46800" lIns="90000" rIns="90000" wrap="square" tIns="46800">
+            <a:noAutofit/>
+          </a:bodyPr>
+          <a:lstStyle/>
+          <a:p>
+            <a:pPr indent="0" lvl="0" marL="0" marR="0" rtl="0" algn="r">
+              <a:lnSpc>
+                <a:spcPct val="100000"/>
+              </a:lnSpc>
+              <a:spcBef>
+                <a:spcPts val="0"/>
+              </a:spcBef>
+              <a:spcAft>
+                <a:spcPts val="0"/>
+              </a:spcAft>
+              <a:buClr>
+                <a:srgbClr val="000000"/>
+              </a:buClr>
+              <a:buSzPct val="25000"/>
+              <a:buFont typeface="Arial"/>
+              <a:buNone/>
+            </a:pPr>
+            <a:fld id="{00000000-1234-1234-1234-123412341234}" type="slidenum">
+              <a:rPr b="0" i="0" lang="en-US" sz="1200" u="none">
+                <a:solidFill>
+                  <a:srgbClr val="000000"/>
+                </a:solidFill>
+                <a:latin typeface="Arial"/>
+                <a:ea typeface="Arial"/>
+                <a:cs typeface="Arial"/>
+                <a:sym typeface="Arial"/>
+              </a:rPr>
+              <a:t>‹#›</a:t>
+            </a:fld>
+          </a:p>
+        </p:txBody>
+      </p:sp>
+      <p:sp>
+        <p:nvSpPr>
+          <p:cNvPr id="261" name="Shape 261"/>
+          <p:cNvSpPr/>
+          <p:nvPr>
+            <p:ph idx="2" type="sldImg"/>
+          </p:nvPr>
+        </p:nvSpPr>
+        <p:spPr>
+          <a:xfrm>
+            <a:off x="1143000" y="685800"/>
+            <a:ext cx="4572000" cy="3429000"/>
+          </a:xfrm>
+          <a:custGeom>
+            <a:pathLst>
+              <a:path extrusionOk="0" h="120000" w="120000">
+                <a:moveTo>
+                  <a:pt x="0" y="0"/>
+                </a:moveTo>
+                <a:lnTo>
+                  <a:pt x="120000" y="0"/>
+                </a:lnTo>
+                <a:lnTo>
+                  <a:pt x="120000" y="120000"/>
+                </a:lnTo>
+                <a:lnTo>
+                  <a:pt x="0" y="120000"/>
+                </a:lnTo>
+                <a:close/>
+              </a:path>
+            </a:pathLst>
+          </a:custGeom>
+          <a:solidFill>
+            <a:srgbClr val="FFFFFF"/>
+          </a:solidFill>
+          <a:ln cap="flat" cmpd="sng" w="9525">
+            <a:solidFill>
+              <a:srgbClr val="000000"/>
+            </a:solidFill>
+            <a:prstDash val="solid"/>
+            <a:miter lim="800000"/>
+            <a:headEnd len="med" w="med" type="none"/>
+            <a:tailEnd len="med" w="med" type="none"/>
+          </a:ln>
+        </p:spPr>
+      </p:sp>
+      <p:sp>
+        <p:nvSpPr>
+          <p:cNvPr id="262" name="Shape 262"/>
+          <p:cNvSpPr/>
+          <p:nvPr/>
+        </p:nvSpPr>
+        <p:spPr>
+          <a:xfrm>
+            <a:off x="914400" y="4343400"/>
+            <a:ext cx="5029200" cy="4114800"/>
+          </a:xfrm>
+          <a:prstGeom prst="rect">
+            <a:avLst/>
+          </a:prstGeom>
+          <a:noFill/>
+          <a:ln>
+            <a:noFill/>
+          </a:ln>
+        </p:spPr>
+        <p:txBody>
+          <a:bodyPr anchorCtr="0" anchor="ctr" bIns="45700" lIns="91425" rIns="91425" wrap="square" tIns="45700">
+            <a:noAutofit/>
+          </a:bodyPr>
+          <a:lstStyle/>
+          <a:p>
+            <a:pPr indent="0" lvl="0" marL="0" marR="0" rtl="0" algn="l">
+              <a:lnSpc>
+                <a:spcPct val="100000"/>
+              </a:lnSpc>
+              <a:spcBef>
+                <a:spcPts val="0"/>
+              </a:spcBef>
+              <a:spcAft>
+                <a:spcPts val="0"/>
+              </a:spcAft>
+              <a:buNone/>
+            </a:pPr>
+            <a:r>
+              <a:t/>
+            </a:r>
+            <a:endParaRPr b="0" i="0" sz="2400" u="none">
+              <a:solidFill>
+                <a:srgbClr val="FFFFFF"/>
+              </a:solidFill>
+              <a:latin typeface="Times New Roman"/>
+              <a:ea typeface="Times New Roman"/>
+              <a:cs typeface="Times New Roman"/>
+              <a:sym typeface="Times New Roman"/>
+            </a:endParaRPr>
+          </a:p>
+        </p:txBody>
+      </p:sp>
+      <p:sp>
+        <p:nvSpPr>
+          <p:cNvPr id="263" name="Shape 263"/>
+          <p:cNvSpPr txBox="1"/>
+          <p:nvPr>
+            <p:ph idx="1" type="body"/>
+          </p:nvPr>
+        </p:nvSpPr>
+        <p:spPr>
+          <a:xfrm>
+            <a:off x="914400" y="4343400"/>
+            <a:ext cx="5022900" cy="4108500"/>
+          </a:xfrm>
+          <a:prstGeom prst="rect">
+            <a:avLst/>
+          </a:prstGeom>
+        </p:spPr>
+        <p:txBody>
+          <a:bodyPr anchorCtr="0" anchor="t" bIns="91425" lIns="91425" rIns="91425" wrap="square" tIns="91425">
+            <a:noAutofit/>
+          </a:bodyPr>
+          <a:lstStyle/>
+          <a:p>
+            <a:pPr lvl="0" rtl="0">
+              <a:spcBef>
+                <a:spcPts val="0"/>
+              </a:spcBef>
+              <a:buNone/>
+            </a:pPr>
+            <a:r>
+              <a:t/>
+            </a:r>
+            <a:endParaRPr/>
+          </a:p>
+        </p:txBody>
+      </p:sp>
+    </p:spTree>
+  </p:cSld>
+  <p:clrMapOvr>
+    <a:masterClrMapping/>
+  </p:clrMapOvr>
+</p:notes>
+</file>
+
+<file path=ppt/notesSlides/notesSlide22.xml><?xml version="1.0" encoding="utf-8"?>
+<p:notes xmlns:a="http://schemas.openxmlformats.org/drawingml/2006/main" xmlns:r="http://schemas.openxmlformats.org/officeDocument/2006/relationships" xmlns:mc="http://schemas.openxmlformats.org/markup-compatibility/2006" xmlns:mv="urn:schemas-microsoft-com:mac:vml" xmlns:p="http://schemas.openxmlformats.org/presentationml/2006/main" xmlns:c="http://schemas.openxmlformats.org/drawingml/2006/chart" xmlns:dgm="http://schemas.openxmlformats.org/drawingml/2006/diagram" xmlns:o="urn:schemas-microsoft-com:office:office" xmlns:v="urn:schemas-microsoft-com:vml" xmlns:pvml="urn:schemas-microsoft-com:office:powerpoint" xmlns:com="http://schemas.openxmlformats.org/drawingml/2006/compatibility" xmlns:p14="http://schemas.microsoft.com/office/powerpoint/2010/main" xmlns:p15="http://schemas.microsoft.com/office/powerpoint/2012/main" showMasterPhAnim="0" showMasterSp="0">
+  <p:cSld>
+    <p:spTree>
+      <p:nvGrpSpPr>
+        <p:cNvPr id="267" name="Shape 267"/>
+        <p:cNvGrpSpPr/>
+        <p:nvPr/>
+      </p:nvGrpSpPr>
+      <p:grpSpPr>
+        <a:xfrm>
+          <a:off x="0" y="0"/>
+          <a:ext cx="0" cy="0"/>
+          <a:chOff x="0" y="0"/>
+          <a:chExt cx="0" cy="0"/>
+        </a:xfrm>
+      </p:grpSpPr>
+      <p:sp>
+        <p:nvSpPr>
+          <p:cNvPr id="268" name="Shape 268"/>
+          <p:cNvSpPr txBox="1"/>
+          <p:nvPr>
+            <p:ph idx="12" type="sldNum"/>
+          </p:nvPr>
+        </p:nvSpPr>
+        <p:spPr>
+          <a:xfrm>
+            <a:off x="3886200" y="8686800"/>
+            <a:ext cx="2965500" cy="450900"/>
+          </a:xfrm>
+          <a:prstGeom prst="rect">
+            <a:avLst/>
+          </a:prstGeom>
+        </p:spPr>
+        <p:txBody>
+          <a:bodyPr anchorCtr="0" anchor="b" bIns="46800" lIns="90000" rIns="90000" wrap="square" tIns="46800">
+            <a:noAutofit/>
+          </a:bodyPr>
+          <a:lstStyle/>
+          <a:p>
+            <a:pPr lvl="0" rtl="0">
+              <a:spcBef>
+                <a:spcPts val="0"/>
+              </a:spcBef>
+              <a:buNone/>
+            </a:pPr>
+            <a:fld id="{00000000-1234-1234-1234-123412341234}" type="slidenum">
+              <a:rPr lang="en-US"/>
+              <a:t>‹#›</a:t>
+            </a:fld>
+          </a:p>
+        </p:txBody>
+      </p:sp>
+      <p:sp>
+        <p:nvSpPr>
+          <p:cNvPr id="269" name="Shape 269"/>
+          <p:cNvSpPr/>
+          <p:nvPr>
+            <p:ph idx="2" type="sldImg"/>
+          </p:nvPr>
+        </p:nvSpPr>
+        <p:spPr>
+          <a:xfrm>
+            <a:off x="1143000" y="685800"/>
+            <a:ext cx="4565700" cy="3422700"/>
+          </a:xfrm>
+          <a:custGeom>
+            <a:pathLst>
+              <a:path extrusionOk="0" h="120000" w="120000">
+                <a:moveTo>
+                  <a:pt x="0" y="0"/>
+                </a:moveTo>
+                <a:lnTo>
+                  <a:pt x="120000" y="0"/>
+                </a:lnTo>
+                <a:lnTo>
+                  <a:pt x="120000" y="120000"/>
+                </a:lnTo>
+                <a:lnTo>
+                  <a:pt x="0" y="120000"/>
+                </a:lnTo>
+                <a:close/>
+              </a:path>
+            </a:pathLst>
+          </a:custGeom>
+        </p:spPr>
+      </p:sp>
+      <p:sp>
+        <p:nvSpPr>
+          <p:cNvPr id="270" name="Shape 270"/>
+          <p:cNvSpPr txBox="1"/>
+          <p:nvPr>
+            <p:ph idx="1" type="body"/>
+          </p:nvPr>
+        </p:nvSpPr>
+        <p:spPr>
+          <a:xfrm>
+            <a:off x="914400" y="4343400"/>
+            <a:ext cx="5022900" cy="4108500"/>
+          </a:xfrm>
+          <a:prstGeom prst="rect">
+            <a:avLst/>
+          </a:prstGeom>
+        </p:spPr>
+        <p:txBody>
+          <a:bodyPr anchorCtr="0" anchor="t" bIns="91425" lIns="91425" rIns="91425" wrap="square" tIns="91425">
+            <a:noAutofit/>
+          </a:bodyPr>
+          <a:lstStyle/>
+          <a:p>
+            <a:pPr lvl="0" rtl="0">
+              <a:spcBef>
+                <a:spcPts val="0"/>
+              </a:spcBef>
+              <a:buNone/>
+            </a:pPr>
+            <a:r>
+              <a:t/>
+            </a:r>
+            <a:endParaRPr/>
+          </a:p>
+        </p:txBody>
+      </p:sp>
+      <p:sp>
+        <p:nvSpPr>
+          <p:cNvPr id="271" name="Shape 271"/>
+          <p:cNvSpPr txBox="1"/>
+          <p:nvPr>
+            <p:ph idx="3" type="sldNum"/>
+          </p:nvPr>
+        </p:nvSpPr>
+        <p:spPr>
+          <a:xfrm>
+            <a:off x="3886200" y="8686800"/>
+            <a:ext cx="2965500" cy="450900"/>
+          </a:xfrm>
+          <a:prstGeom prst="rect">
+            <a:avLst/>
+          </a:prstGeom>
+        </p:spPr>
+        <p:txBody>
+          <a:bodyPr anchorCtr="0" anchor="b" bIns="46800" lIns="90000" rIns="90000" wrap="square" tIns="46800">
+            <a:noAutofit/>
+          </a:bodyPr>
+          <a:lstStyle/>
+          <a:p>
+            <a:pPr lvl="0" rtl="0">
+              <a:spcBef>
+                <a:spcPts val="0"/>
+              </a:spcBef>
+              <a:buNone/>
+            </a:pPr>
+            <a:fld id="{00000000-1234-1234-1234-123412341234}" type="slidenum">
+              <a:rPr lang="en-US"/>
+              <a:t>‹#›</a:t>
+            </a:fld>
+          </a:p>
+        </p:txBody>
+      </p:sp>
+    </p:spTree>
+  </p:cSld>
+  <p:clrMapOvr>
+    <a:masterClrMapping/>
+  </p:clrMapOvr>
+</p:notes>
+</file>
+
+<file path=ppt/notesSlides/notesSlide23.xml><?xml version="1.0" encoding="utf-8"?>
+<p:notes xmlns:a="http://schemas.openxmlformats.org/drawingml/2006/main" xmlns:r="http://schemas.openxmlformats.org/officeDocument/2006/relationships" xmlns:mc="http://schemas.openxmlformats.org/markup-compatibility/2006" xmlns:mv="urn:schemas-microsoft-com:mac:vml" xmlns:p="http://schemas.openxmlformats.org/presentationml/2006/main" xmlns:c="http://schemas.openxmlformats.org/drawingml/2006/chart" xmlns:dgm="http://schemas.openxmlformats.org/drawingml/2006/diagram" xmlns:o="urn:schemas-microsoft-com:office:office" xmlns:v="urn:schemas-microsoft-com:vml" xmlns:pvml="urn:schemas-microsoft-com:office:powerpoint" xmlns:com="http://schemas.openxmlformats.org/drawingml/2006/compatibility" xmlns:p14="http://schemas.microsoft.com/office/powerpoint/2010/main" xmlns:p15="http://schemas.microsoft.com/office/powerpoint/2012/main" showMasterPhAnim="0" showMasterSp="0">
+  <p:cSld>
+    <p:spTree>
+      <p:nvGrpSpPr>
+        <p:cNvPr id="275" name="Shape 275"/>
+        <p:cNvGrpSpPr/>
+        <p:nvPr/>
+      </p:nvGrpSpPr>
+      <p:grpSpPr>
+        <a:xfrm>
+          <a:off x="0" y="0"/>
+          <a:ext cx="0" cy="0"/>
+          <a:chOff x="0" y="0"/>
+          <a:chExt cx="0" cy="0"/>
+        </a:xfrm>
+      </p:grpSpPr>
+      <p:sp>
+        <p:nvSpPr>
+          <p:cNvPr id="276" name="Shape 276"/>
+          <p:cNvSpPr txBox="1"/>
+          <p:nvPr/>
+        </p:nvSpPr>
+        <p:spPr>
+          <a:xfrm>
+            <a:off x="3886200" y="8686800"/>
+            <a:ext cx="2967000" cy="452400"/>
+          </a:xfrm>
+          <a:prstGeom prst="rect">
+            <a:avLst/>
+          </a:prstGeom>
+          <a:noFill/>
+          <a:ln>
+            <a:noFill/>
+          </a:ln>
+        </p:spPr>
+        <p:txBody>
+          <a:bodyPr anchorCtr="0" anchor="b" bIns="46800" lIns="90000" rIns="90000" wrap="square" tIns="46800">
+            <a:noAutofit/>
+          </a:bodyPr>
+          <a:lstStyle/>
+          <a:p>
+            <a:pPr indent="0" lvl="0" marL="0" marR="0" rtl="0" algn="r">
+              <a:lnSpc>
+                <a:spcPct val="100000"/>
+              </a:lnSpc>
+              <a:spcBef>
+                <a:spcPts val="0"/>
+              </a:spcBef>
+              <a:spcAft>
+                <a:spcPts val="0"/>
+              </a:spcAft>
+              <a:buClr>
+                <a:srgbClr val="000000"/>
+              </a:buClr>
+              <a:buSzPct val="25000"/>
+              <a:buFont typeface="Arial"/>
+              <a:buNone/>
+            </a:pPr>
+            <a:fld id="{00000000-1234-1234-1234-123412341234}" type="slidenum">
+              <a:rPr b="0" i="0" lang="en-US" sz="1200" u="none">
+                <a:solidFill>
+                  <a:srgbClr val="000000"/>
+                </a:solidFill>
+                <a:latin typeface="Arial"/>
+                <a:ea typeface="Arial"/>
+                <a:cs typeface="Arial"/>
+                <a:sym typeface="Arial"/>
+              </a:rPr>
+              <a:t>‹#›</a:t>
+            </a:fld>
+          </a:p>
+        </p:txBody>
+      </p:sp>
+      <p:sp>
+        <p:nvSpPr>
+          <p:cNvPr id="277" name="Shape 277"/>
+          <p:cNvSpPr/>
+          <p:nvPr>
+            <p:ph idx="2" type="sldImg"/>
+          </p:nvPr>
+        </p:nvSpPr>
+        <p:spPr>
+          <a:xfrm>
+            <a:off x="1143000" y="685800"/>
+            <a:ext cx="4572000" cy="3429000"/>
+          </a:xfrm>
+          <a:custGeom>
+            <a:pathLst>
+              <a:path extrusionOk="0" h="120000" w="120000">
+                <a:moveTo>
+                  <a:pt x="0" y="0"/>
+                </a:moveTo>
+                <a:lnTo>
+                  <a:pt x="120000" y="0"/>
+                </a:lnTo>
+                <a:lnTo>
+                  <a:pt x="120000" y="120000"/>
+                </a:lnTo>
+                <a:lnTo>
+                  <a:pt x="0" y="120000"/>
+                </a:lnTo>
+                <a:close/>
+              </a:path>
+            </a:pathLst>
+          </a:custGeom>
+          <a:solidFill>
+            <a:srgbClr val="FFFFFF"/>
+          </a:solidFill>
+          <a:ln cap="flat" cmpd="sng" w="9525">
+            <a:solidFill>
+              <a:srgbClr val="000000"/>
+            </a:solidFill>
+            <a:prstDash val="solid"/>
+            <a:miter lim="800000"/>
+            <a:headEnd len="med" w="med" type="none"/>
+            <a:tailEnd len="med" w="med" type="none"/>
+          </a:ln>
+        </p:spPr>
+      </p:sp>
+      <p:sp>
+        <p:nvSpPr>
+          <p:cNvPr id="278" name="Shape 278"/>
+          <p:cNvSpPr/>
+          <p:nvPr/>
+        </p:nvSpPr>
+        <p:spPr>
+          <a:xfrm>
+            <a:off x="914400" y="4343400"/>
+            <a:ext cx="5029200" cy="4114800"/>
+          </a:xfrm>
+          <a:prstGeom prst="rect">
+            <a:avLst/>
+          </a:prstGeom>
+          <a:noFill/>
+          <a:ln>
+            <a:noFill/>
+          </a:ln>
+        </p:spPr>
+        <p:txBody>
+          <a:bodyPr anchorCtr="0" anchor="ctr" bIns="45700" lIns="91425" rIns="91425" wrap="square" tIns="45700">
+            <a:noAutofit/>
+          </a:bodyPr>
+          <a:lstStyle/>
+          <a:p>
+            <a:pPr indent="0" lvl="0" marL="0" marR="0" rtl="0" algn="l">
+              <a:lnSpc>
+                <a:spcPct val="100000"/>
+              </a:lnSpc>
+              <a:spcBef>
+                <a:spcPts val="0"/>
+              </a:spcBef>
+              <a:spcAft>
+                <a:spcPts val="0"/>
+              </a:spcAft>
+              <a:buNone/>
+            </a:pPr>
+            <a:r>
+              <a:t/>
+            </a:r>
+            <a:endParaRPr b="0" i="0" sz="2400" u="none">
+              <a:solidFill>
+                <a:srgbClr val="FFFFFF"/>
+              </a:solidFill>
+              <a:latin typeface="Times New Roman"/>
+              <a:ea typeface="Times New Roman"/>
+              <a:cs typeface="Times New Roman"/>
+              <a:sym typeface="Times New Roman"/>
+            </a:endParaRPr>
+          </a:p>
+        </p:txBody>
+      </p:sp>
+      <p:sp>
+        <p:nvSpPr>
+          <p:cNvPr id="279" name="Shape 279"/>
+          <p:cNvSpPr txBox="1"/>
+          <p:nvPr>
+            <p:ph idx="1" type="body"/>
+          </p:nvPr>
+        </p:nvSpPr>
+        <p:spPr>
+          <a:xfrm>
+            <a:off x="914400" y="4343400"/>
+            <a:ext cx="5022900" cy="4108500"/>
+          </a:xfrm>
+          <a:prstGeom prst="rect">
+            <a:avLst/>
+          </a:prstGeom>
+        </p:spPr>
+        <p:txBody>
+          <a:bodyPr anchorCtr="0" anchor="t" bIns="91425" lIns="91425" rIns="91425" wrap="square" tIns="91425">
+            <a:noAutofit/>
+          </a:bodyPr>
+          <a:lstStyle/>
+          <a:p>
+            <a:pPr lvl="0" rtl="0">
+              <a:spcBef>
+                <a:spcPts val="0"/>
+              </a:spcBef>
+              <a:buNone/>
+            </a:pPr>
+            <a:r>
+              <a:t/>
+            </a:r>
+            <a:endParaRPr/>
+          </a:p>
+        </p:txBody>
+      </p:sp>
+    </p:spTree>
+  </p:cSld>
+  <p:clrMapOvr>
+    <a:masterClrMapping/>
+  </p:clrMapOvr>
+</p:notes>
+</file>
+
+<file path=ppt/notesSlides/notesSlide24.xml><?xml version="1.0" encoding="utf-8"?>
+<p:notes xmlns:a="http://schemas.openxmlformats.org/drawingml/2006/main" xmlns:r="http://schemas.openxmlformats.org/officeDocument/2006/relationships" xmlns:mc="http://schemas.openxmlformats.org/markup-compatibility/2006" xmlns:mv="urn:schemas-microsoft-com:mac:vml" xmlns:p="http://schemas.openxmlformats.org/presentationml/2006/main" xmlns:c="http://schemas.openxmlformats.org/drawingml/2006/chart" xmlns:dgm="http://schemas.openxmlformats.org/drawingml/2006/diagram" xmlns:o="urn:schemas-microsoft-com:office:office" xmlns:v="urn:schemas-microsoft-com:vml" xmlns:pvml="urn:schemas-microsoft-com:office:powerpoint" xmlns:com="http://schemas.openxmlformats.org/drawingml/2006/compatibility" xmlns:p14="http://schemas.microsoft.com/office/powerpoint/2010/main" xmlns:p15="http://schemas.microsoft.com/office/powerpoint/2012/main" showMasterPhAnim="0" showMasterSp="0">
+  <p:cSld>
+    <p:spTree>
+      <p:nvGrpSpPr>
+        <p:cNvPr id="284" name="Shape 284"/>
+        <p:cNvGrpSpPr/>
+        <p:nvPr/>
+      </p:nvGrpSpPr>
+      <p:grpSpPr>
+        <a:xfrm>
+          <a:off x="0" y="0"/>
+          <a:ext cx="0" cy="0"/>
+          <a:chOff x="0" y="0"/>
+          <a:chExt cx="0" cy="0"/>
+        </a:xfrm>
+      </p:grpSpPr>
+      <p:sp>
+        <p:nvSpPr>
+          <p:cNvPr id="285" name="Shape 285"/>
+          <p:cNvSpPr/>
+          <p:nvPr>
+            <p:ph idx="2" type="sldImg"/>
+          </p:nvPr>
+        </p:nvSpPr>
+        <p:spPr>
+          <a:xfrm>
+            <a:off x="1143000" y="685800"/>
+            <a:ext cx="4567200" cy="3424200"/>
+          </a:xfrm>
+          <a:custGeom>
+            <a:pathLst>
+              <a:path extrusionOk="0" h="120000" w="120000">
+                <a:moveTo>
+                  <a:pt x="0" y="0"/>
+                </a:moveTo>
+                <a:lnTo>
+                  <a:pt x="120000" y="0"/>
+                </a:lnTo>
+                <a:lnTo>
+                  <a:pt x="120000" y="120000"/>
+                </a:lnTo>
+                <a:lnTo>
+                  <a:pt x="0" y="120000"/>
+                </a:lnTo>
+                <a:close/>
+              </a:path>
+            </a:pathLst>
+          </a:custGeom>
+          <a:solidFill>
+            <a:srgbClr val="FFFFFF"/>
+          </a:solidFill>
+          <a:ln cap="flat" cmpd="sng" w="9525">
+            <a:solidFill>
+              <a:srgbClr val="000000"/>
+            </a:solidFill>
+            <a:prstDash val="solid"/>
+            <a:miter lim="800000"/>
+            <a:headEnd len="med" w="med" type="none"/>
+            <a:tailEnd len="med" w="med" type="none"/>
+          </a:ln>
+        </p:spPr>
+      </p:sp>
+      <p:sp>
+        <p:nvSpPr>
+          <p:cNvPr id="286" name="Shape 286"/>
+          <p:cNvSpPr txBox="1"/>
+          <p:nvPr>
+            <p:ph idx="1" type="body"/>
+          </p:nvPr>
+        </p:nvSpPr>
+        <p:spPr>
+          <a:xfrm>
+            <a:off x="914400" y="4343400"/>
+            <a:ext cx="5024400" cy="4110000"/>
+          </a:xfrm>
+          <a:prstGeom prst="rect">
+            <a:avLst/>
+          </a:prstGeom>
+          <a:noFill/>
+          <a:ln>
+            <a:noFill/>
+          </a:ln>
+        </p:spPr>
+        <p:txBody>
+          <a:bodyPr anchorCtr="0" anchor="ctr" bIns="46800" lIns="90000" rIns="90000" wrap="square" tIns="46800">
+            <a:noAutofit/>
+          </a:bodyPr>
+          <a:lstStyle/>
+          <a:p>
+            <a:pPr indent="0" lvl="0" marL="0" marR="0" rtl="0" algn="l">
+              <a:spcBef>
+                <a:spcPts val="0"/>
+              </a:spcBef>
+              <a:buSzPct val="25000"/>
+              <a:buNone/>
+            </a:pPr>
+            <a:r>
+              <a:t/>
+            </a:r>
+            <a:endParaRPr b="0" i="0" sz="1800" u="none" cap="none" strike="noStrike"/>
+          </a:p>
+        </p:txBody>
+      </p:sp>
+    </p:spTree>
+  </p:cSld>
+  <p:clrMapOvr>
+    <a:masterClrMapping/>
+  </p:clrMapOvr>
+</p:notes>
+</file>
+
+<file path=ppt/notesSlides/notesSlide25.xml><?xml version="1.0" encoding="utf-8"?>
+<p:notes xmlns:a="http://schemas.openxmlformats.org/drawingml/2006/main" xmlns:r="http://schemas.openxmlformats.org/officeDocument/2006/relationships" xmlns:mc="http://schemas.openxmlformats.org/markup-compatibility/2006" xmlns:mv="urn:schemas-microsoft-com:mac:vml" xmlns:p="http://schemas.openxmlformats.org/presentationml/2006/main" xmlns:c="http://schemas.openxmlformats.org/drawingml/2006/chart" xmlns:dgm="http://schemas.openxmlformats.org/drawingml/2006/diagram" xmlns:o="urn:schemas-microsoft-com:office:office" xmlns:v="urn:schemas-microsoft-com:vml" xmlns:pvml="urn:schemas-microsoft-com:office:powerpoint" xmlns:com="http://schemas.openxmlformats.org/drawingml/2006/compatibility" xmlns:p14="http://schemas.microsoft.com/office/powerpoint/2010/main" xmlns:p15="http://schemas.microsoft.com/office/powerpoint/2012/main" showMasterPhAnim="0" showMasterSp="0">
+  <p:cSld>
+    <p:spTree>
+      <p:nvGrpSpPr>
+        <p:cNvPr id="291" name="Shape 291"/>
+        <p:cNvGrpSpPr/>
+        <p:nvPr/>
+      </p:nvGrpSpPr>
+      <p:grpSpPr>
+        <a:xfrm>
+          <a:off x="0" y="0"/>
+          <a:ext cx="0" cy="0"/>
+          <a:chOff x="0" y="0"/>
+          <a:chExt cx="0" cy="0"/>
+        </a:xfrm>
+      </p:grpSpPr>
+      <p:sp>
+        <p:nvSpPr>
+          <p:cNvPr id="292" name="Shape 292"/>
+          <p:cNvSpPr txBox="1"/>
+          <p:nvPr>
+            <p:ph idx="12" type="sldNum"/>
+          </p:nvPr>
+        </p:nvSpPr>
+        <p:spPr>
+          <a:xfrm>
+            <a:off x="3886200" y="8686800"/>
+            <a:ext cx="2965500" cy="450900"/>
+          </a:xfrm>
+          <a:prstGeom prst="rect">
+            <a:avLst/>
+          </a:prstGeom>
+        </p:spPr>
+        <p:txBody>
+          <a:bodyPr anchorCtr="0" anchor="b" bIns="46800" lIns="90000" rIns="90000" wrap="square" tIns="46800">
+            <a:noAutofit/>
+          </a:bodyPr>
+          <a:lstStyle/>
+          <a:p>
+            <a:pPr lvl="0" rtl="0">
+              <a:spcBef>
+                <a:spcPts val="0"/>
+              </a:spcBef>
+              <a:buNone/>
+            </a:pPr>
+            <a:fld id="{00000000-1234-1234-1234-123412341234}" type="slidenum">
+              <a:rPr lang="en-US"/>
+              <a:t>‹#›</a:t>
+            </a:fld>
+          </a:p>
+        </p:txBody>
+      </p:sp>
+      <p:sp>
+        <p:nvSpPr>
+          <p:cNvPr id="293" name="Shape 293"/>
+          <p:cNvSpPr/>
+          <p:nvPr>
+            <p:ph idx="2" type="sldImg"/>
+          </p:nvPr>
+        </p:nvSpPr>
+        <p:spPr>
+          <a:xfrm>
+            <a:off x="1143000" y="685800"/>
+            <a:ext cx="4565700" cy="3422700"/>
+          </a:xfrm>
+          <a:custGeom>
+            <a:pathLst>
+              <a:path extrusionOk="0" h="120000" w="120000">
+                <a:moveTo>
+                  <a:pt x="0" y="0"/>
+                </a:moveTo>
+                <a:lnTo>
+                  <a:pt x="120000" y="0"/>
+                </a:lnTo>
+                <a:lnTo>
+                  <a:pt x="120000" y="120000"/>
+                </a:lnTo>
+                <a:lnTo>
+                  <a:pt x="0" y="120000"/>
+                </a:lnTo>
+                <a:close/>
+              </a:path>
+            </a:pathLst>
+          </a:custGeom>
+        </p:spPr>
+      </p:sp>
+      <p:sp>
+        <p:nvSpPr>
+          <p:cNvPr id="294" name="Shape 294"/>
+          <p:cNvSpPr txBox="1"/>
+          <p:nvPr>
+            <p:ph idx="1" type="body"/>
+          </p:nvPr>
+        </p:nvSpPr>
+        <p:spPr>
+          <a:xfrm>
+            <a:off x="914400" y="4343400"/>
+            <a:ext cx="5022900" cy="4108500"/>
+          </a:xfrm>
+          <a:prstGeom prst="rect">
+            <a:avLst/>
+          </a:prstGeom>
+        </p:spPr>
+        <p:txBody>
+          <a:bodyPr anchorCtr="0" anchor="t" bIns="91425" lIns="91425" rIns="91425" wrap="square" tIns="91425">
+            <a:noAutofit/>
+          </a:bodyPr>
+          <a:lstStyle/>
+          <a:p>
+            <a:pPr lvl="0" rtl="0">
+              <a:spcBef>
+                <a:spcPts val="0"/>
+              </a:spcBef>
+              <a:buNone/>
+            </a:pPr>
+            <a:r>
+              <a:t/>
+            </a:r>
+            <a:endParaRPr/>
+          </a:p>
+        </p:txBody>
+      </p:sp>
+      <p:sp>
+        <p:nvSpPr>
+          <p:cNvPr id="295" name="Shape 295"/>
+          <p:cNvSpPr txBox="1"/>
+          <p:nvPr>
+            <p:ph idx="3" type="sldNum"/>
+          </p:nvPr>
+        </p:nvSpPr>
+        <p:spPr>
+          <a:xfrm>
+            <a:off x="3886200" y="8686800"/>
+            <a:ext cx="2965500" cy="450900"/>
+          </a:xfrm>
+          <a:prstGeom prst="rect">
+            <a:avLst/>
+          </a:prstGeom>
+        </p:spPr>
+        <p:txBody>
+          <a:bodyPr anchorCtr="0" anchor="b" bIns="46800" lIns="90000" rIns="90000" wrap="square" tIns="46800">
+            <a:noAutofit/>
+          </a:bodyPr>
+          <a:lstStyle/>
+          <a:p>
+            <a:pPr lvl="0" rtl="0">
+              <a:spcBef>
+                <a:spcPts val="0"/>
+              </a:spcBef>
+              <a:buNone/>
+            </a:pPr>
+            <a:fld id="{00000000-1234-1234-1234-123412341234}" type="slidenum">
+              <a:rPr lang="en-US"/>
+              <a:t>‹#›</a:t>
+            </a:fld>
           </a:p>
         </p:txBody>
       </p:sp>
@@ -11233,6 +13097,1263 @@
 </p:sld>
 </file>
 
+<file path=ppt/slides/slide16.xml><?xml version="1.0" encoding="utf-8"?>
+<p:sld xmlns:a="http://schemas.openxmlformats.org/drawingml/2006/main" xmlns:r="http://schemas.openxmlformats.org/officeDocument/2006/relationships" xmlns:mc="http://schemas.openxmlformats.org/markup-compatibility/2006" xmlns:mv="urn:schemas-microsoft-com:mac:vml" xmlns:p="http://schemas.openxmlformats.org/presentationml/2006/main" xmlns:c="http://schemas.openxmlformats.org/drawingml/2006/chart" xmlns:dgm="http://schemas.openxmlformats.org/drawingml/2006/diagram" xmlns:o="urn:schemas-microsoft-com:office:office" xmlns:v="urn:schemas-microsoft-com:vml" xmlns:pvml="urn:schemas-microsoft-com:office:powerpoint" xmlns:com="http://schemas.openxmlformats.org/drawingml/2006/compatibility" xmlns:p14="http://schemas.microsoft.com/office/powerpoint/2010/main" xmlns:p15="http://schemas.microsoft.com/office/powerpoint/2012/main">
+  <p:cSld>
+    <p:spTree>
+      <p:nvGrpSpPr>
+        <p:cNvPr id="222" name="Shape 222"/>
+        <p:cNvGrpSpPr/>
+        <p:nvPr/>
+      </p:nvGrpSpPr>
+      <p:grpSpPr>
+        <a:xfrm>
+          <a:off x="0" y="0"/>
+          <a:ext cx="0" cy="0"/>
+          <a:chOff x="0" y="0"/>
+          <a:chExt cx="0" cy="0"/>
+        </a:xfrm>
+      </p:grpSpPr>
+      <p:sp>
+        <p:nvSpPr>
+          <p:cNvPr id="223" name="Shape 223"/>
+          <p:cNvSpPr txBox="1"/>
+          <p:nvPr>
+            <p:ph type="title"/>
+          </p:nvPr>
+        </p:nvSpPr>
+        <p:spPr>
+          <a:xfrm>
+            <a:off x="729450" y="1758200"/>
+            <a:ext cx="7688700" cy="713700"/>
+          </a:xfrm>
+          <a:prstGeom prst="rect">
+            <a:avLst/>
+          </a:prstGeom>
+        </p:spPr>
+        <p:txBody>
+          <a:bodyPr anchorCtr="0" anchor="t" bIns="91425" lIns="91425" rIns="91425" wrap="square" tIns="91425">
+            <a:noAutofit/>
+          </a:bodyPr>
+          <a:lstStyle/>
+          <a:p>
+            <a:pPr lvl="0" rtl="0">
+              <a:spcBef>
+                <a:spcPts val="0"/>
+              </a:spcBef>
+              <a:buNone/>
+            </a:pPr>
+            <a:r>
+              <a:rPr lang="en-US"/>
+              <a:t>Decision Making</a:t>
+            </a:r>
+          </a:p>
+        </p:txBody>
+      </p:sp>
+      <p:sp>
+        <p:nvSpPr>
+          <p:cNvPr id="224" name="Shape 224"/>
+          <p:cNvSpPr txBox="1"/>
+          <p:nvPr>
+            <p:ph idx="1" type="body"/>
+          </p:nvPr>
+        </p:nvSpPr>
+        <p:spPr>
+          <a:xfrm>
+            <a:off x="729450" y="2771825"/>
+            <a:ext cx="4773900" cy="3014700"/>
+          </a:xfrm>
+          <a:prstGeom prst="rect">
+            <a:avLst/>
+          </a:prstGeom>
+        </p:spPr>
+        <p:txBody>
+          <a:bodyPr anchorCtr="0" anchor="t" bIns="91425" lIns="91425" rIns="91425" wrap="square" tIns="91425">
+            <a:noAutofit/>
+          </a:bodyPr>
+          <a:lstStyle/>
+          <a:p>
+            <a:pPr lvl="0" rtl="0">
+              <a:lnSpc>
+                <a:spcPct val="100000"/>
+              </a:lnSpc>
+              <a:spcBef>
+                <a:spcPts val="0"/>
+              </a:spcBef>
+              <a:spcAft>
+                <a:spcPts val="0"/>
+              </a:spcAft>
+              <a:buNone/>
+            </a:pPr>
+            <a:r>
+              <a:rPr b="1" lang="en-US">
+                <a:solidFill>
+                  <a:srgbClr val="000000"/>
+                </a:solidFill>
+              </a:rPr>
+              <a:t>if Statement</a:t>
+            </a:r>
+          </a:p>
+          <a:p>
+            <a:pPr lvl="0" marL="336550" rtl="0">
+              <a:lnSpc>
+                <a:spcPct val="100000"/>
+              </a:lnSpc>
+              <a:spcBef>
+                <a:spcPts val="600"/>
+              </a:spcBef>
+              <a:spcAft>
+                <a:spcPts val="0"/>
+              </a:spcAft>
+              <a:buNone/>
+            </a:pPr>
+            <a:r>
+              <a:rPr lang="en-US">
+                <a:solidFill>
+                  <a:srgbClr val="008000"/>
+                </a:solidFill>
+              </a:rPr>
+              <a:t>    if (boolean expression){</a:t>
+            </a:r>
+          </a:p>
+          <a:p>
+            <a:pPr lvl="0" marL="336550" rtl="0">
+              <a:lnSpc>
+                <a:spcPct val="100000"/>
+              </a:lnSpc>
+              <a:spcBef>
+                <a:spcPts val="600"/>
+              </a:spcBef>
+              <a:spcAft>
+                <a:spcPts val="0"/>
+              </a:spcAft>
+              <a:buNone/>
+            </a:pPr>
+            <a:r>
+              <a:rPr lang="en-US">
+                <a:solidFill>
+                  <a:srgbClr val="008000"/>
+                </a:solidFill>
+              </a:rPr>
+              <a:t>         //do something if true</a:t>
+            </a:r>
+          </a:p>
+          <a:p>
+            <a:pPr lvl="0" marL="336550" rtl="0">
+              <a:lnSpc>
+                <a:spcPct val="100000"/>
+              </a:lnSpc>
+              <a:spcBef>
+                <a:spcPts val="600"/>
+              </a:spcBef>
+              <a:spcAft>
+                <a:spcPts val="0"/>
+              </a:spcAft>
+              <a:buNone/>
+            </a:pPr>
+            <a:r>
+              <a:rPr lang="en-US">
+                <a:solidFill>
+                  <a:srgbClr val="008000"/>
+                </a:solidFill>
+              </a:rPr>
+              <a:t>     }</a:t>
+            </a:r>
+          </a:p>
+          <a:p>
+            <a:pPr lvl="0" marL="336550" rtl="0">
+              <a:lnSpc>
+                <a:spcPct val="100000"/>
+              </a:lnSpc>
+              <a:spcBef>
+                <a:spcPts val="600"/>
+              </a:spcBef>
+              <a:spcAft>
+                <a:spcPts val="0"/>
+              </a:spcAft>
+              <a:buNone/>
+            </a:pPr>
+            <a:r>
+              <a:t/>
+            </a:r>
+            <a:endParaRPr>
+              <a:solidFill>
+                <a:srgbClr val="008000"/>
+              </a:solidFill>
+            </a:endParaRPr>
+          </a:p>
+          <a:p>
+            <a:pPr lvl="0" marL="336550" rtl="0">
+              <a:lnSpc>
+                <a:spcPct val="100000"/>
+              </a:lnSpc>
+              <a:spcBef>
+                <a:spcPts val="600"/>
+              </a:spcBef>
+              <a:spcAft>
+                <a:spcPts val="0"/>
+              </a:spcAft>
+              <a:buNone/>
+            </a:pPr>
+            <a:r>
+              <a:rPr b="1" lang="en-US">
+                <a:solidFill>
+                  <a:srgbClr val="000000"/>
+                </a:solidFill>
+              </a:rPr>
+              <a:t>else Statement</a:t>
+            </a:r>
+          </a:p>
+          <a:p>
+            <a:pPr lvl="0" marL="336550" rtl="0">
+              <a:lnSpc>
+                <a:spcPct val="100000"/>
+              </a:lnSpc>
+              <a:spcBef>
+                <a:spcPts val="600"/>
+              </a:spcBef>
+              <a:spcAft>
+                <a:spcPts val="0"/>
+              </a:spcAft>
+              <a:buNone/>
+            </a:pPr>
+            <a:r>
+              <a:rPr lang="en-US">
+                <a:solidFill>
+                  <a:srgbClr val="000000"/>
+                </a:solidFill>
+              </a:rPr>
+              <a:t>    </a:t>
+            </a:r>
+            <a:r>
+              <a:rPr lang="en-US">
+                <a:solidFill>
+                  <a:srgbClr val="2BD22B"/>
+                </a:solidFill>
+              </a:rPr>
+              <a:t>if (boolean expression) {</a:t>
+            </a:r>
+          </a:p>
+          <a:p>
+            <a:pPr lvl="0" marL="336550" rtl="0">
+              <a:lnSpc>
+                <a:spcPct val="100000"/>
+              </a:lnSpc>
+              <a:spcBef>
+                <a:spcPts val="600"/>
+              </a:spcBef>
+              <a:spcAft>
+                <a:spcPts val="0"/>
+              </a:spcAft>
+              <a:buNone/>
+            </a:pPr>
+            <a:r>
+              <a:rPr lang="en-US">
+                <a:solidFill>
+                  <a:srgbClr val="2BD22B"/>
+                </a:solidFill>
+              </a:rPr>
+              <a:t>         //do something if true</a:t>
+            </a:r>
+          </a:p>
+          <a:p>
+            <a:pPr lvl="0" marL="336550" rtl="0">
+              <a:lnSpc>
+                <a:spcPct val="100000"/>
+              </a:lnSpc>
+              <a:spcBef>
+                <a:spcPts val="600"/>
+              </a:spcBef>
+              <a:spcAft>
+                <a:spcPts val="0"/>
+              </a:spcAft>
+              <a:buNone/>
+            </a:pPr>
+            <a:r>
+              <a:rPr lang="en-US">
+                <a:solidFill>
+                  <a:srgbClr val="2BD22B"/>
+                </a:solidFill>
+              </a:rPr>
+              <a:t>    else { </a:t>
+            </a:r>
+          </a:p>
+          <a:p>
+            <a:pPr lvl="0" marL="336550" rtl="0">
+              <a:lnSpc>
+                <a:spcPct val="100000"/>
+              </a:lnSpc>
+              <a:spcBef>
+                <a:spcPts val="600"/>
+              </a:spcBef>
+              <a:spcAft>
+                <a:spcPts val="0"/>
+              </a:spcAft>
+              <a:buNone/>
+            </a:pPr>
+            <a:r>
+              <a:rPr lang="en-US">
+                <a:solidFill>
+                  <a:srgbClr val="2BD22B"/>
+                </a:solidFill>
+              </a:rPr>
+              <a:t>        //do something if false</a:t>
+            </a:r>
+          </a:p>
+          <a:p>
+            <a:pPr lvl="0" marL="336550" rtl="0">
+              <a:lnSpc>
+                <a:spcPct val="100000"/>
+              </a:lnSpc>
+              <a:spcBef>
+                <a:spcPts val="600"/>
+              </a:spcBef>
+              <a:spcAft>
+                <a:spcPts val="0"/>
+              </a:spcAft>
+              <a:buNone/>
+            </a:pPr>
+            <a:r>
+              <a:rPr lang="en-US">
+                <a:solidFill>
+                  <a:srgbClr val="2BD22B"/>
+                </a:solidFill>
+              </a:rPr>
+              <a:t>    } </a:t>
+            </a:r>
+          </a:p>
+        </p:txBody>
+      </p:sp>
+      <p:pic>
+        <p:nvPicPr>
+          <p:cNvPr id="225" name="Shape 225"/>
+          <p:cNvPicPr preferRelativeResize="0"/>
+          <p:nvPr/>
+        </p:nvPicPr>
+        <p:blipFill>
+          <a:blip r:embed="rId3">
+            <a:alphaModFix/>
+          </a:blip>
+          <a:stretch>
+            <a:fillRect/>
+          </a:stretch>
+        </p:blipFill>
+        <p:spPr>
+          <a:xfrm>
+            <a:off x="4490750" y="2549049"/>
+            <a:ext cx="2784400" cy="3622199"/>
+          </a:xfrm>
+          <a:prstGeom prst="rect">
+            <a:avLst/>
+          </a:prstGeom>
+          <a:noFill/>
+          <a:ln>
+            <a:noFill/>
+          </a:ln>
+        </p:spPr>
+      </p:pic>
+    </p:spTree>
+  </p:cSld>
+  <p:clrMapOvr>
+    <a:masterClrMapping/>
+  </p:clrMapOvr>
+  <p:transition spd="med">
+    <p:fade/>
+  </p:transition>
+</p:sld>
+</file>
+
+<file path=ppt/slides/slide17.xml><?xml version="1.0" encoding="utf-8"?>
+<p:sld xmlns:a="http://schemas.openxmlformats.org/drawingml/2006/main" xmlns:r="http://schemas.openxmlformats.org/officeDocument/2006/relationships" xmlns:mc="http://schemas.openxmlformats.org/markup-compatibility/2006" xmlns:mv="urn:schemas-microsoft-com:mac:vml" xmlns:p="http://schemas.openxmlformats.org/presentationml/2006/main" xmlns:c="http://schemas.openxmlformats.org/drawingml/2006/chart" xmlns:dgm="http://schemas.openxmlformats.org/drawingml/2006/diagram" xmlns:o="urn:schemas-microsoft-com:office:office" xmlns:v="urn:schemas-microsoft-com:vml" xmlns:pvml="urn:schemas-microsoft-com:office:powerpoint" xmlns:com="http://schemas.openxmlformats.org/drawingml/2006/compatibility" xmlns:p14="http://schemas.microsoft.com/office/powerpoint/2010/main" xmlns:p15="http://schemas.microsoft.com/office/powerpoint/2012/main">
+  <p:cSld>
+    <p:spTree>
+      <p:nvGrpSpPr>
+        <p:cNvPr id="231" name="Shape 231"/>
+        <p:cNvGrpSpPr/>
+        <p:nvPr/>
+      </p:nvGrpSpPr>
+      <p:grpSpPr>
+        <a:xfrm>
+          <a:off x="0" y="0"/>
+          <a:ext cx="0" cy="0"/>
+          <a:chOff x="0" y="0"/>
+          <a:chExt cx="0" cy="0"/>
+        </a:xfrm>
+      </p:grpSpPr>
+      <p:sp>
+        <p:nvSpPr>
+          <p:cNvPr id="232" name="Shape 232"/>
+          <p:cNvSpPr txBox="1"/>
+          <p:nvPr>
+            <p:ph idx="1" type="body"/>
+          </p:nvPr>
+        </p:nvSpPr>
+        <p:spPr>
+          <a:xfrm>
+            <a:off x="729450" y="2771833"/>
+            <a:ext cx="7688700" cy="3014700"/>
+          </a:xfrm>
+          <a:prstGeom prst="rect">
+            <a:avLst/>
+          </a:prstGeom>
+        </p:spPr>
+        <p:txBody>
+          <a:bodyPr anchorCtr="0" anchor="t" bIns="91425" lIns="91425" rIns="91425" wrap="square" tIns="91425">
+            <a:noAutofit/>
+          </a:bodyPr>
+          <a:lstStyle/>
+          <a:p>
+            <a:pPr indent="0" lvl="0" marL="50800" marR="50800" rtl="0">
+              <a:spcBef>
+                <a:spcPts val="0"/>
+              </a:spcBef>
+              <a:spcAft>
+                <a:spcPts val="0"/>
+              </a:spcAft>
+              <a:buNone/>
+            </a:pPr>
+            <a:r>
+              <a:rPr lang="en-US">
+                <a:solidFill>
+                  <a:srgbClr val="313131"/>
+                </a:solidFill>
+              </a:rPr>
+              <a:t>switch(expression) {</a:t>
+            </a:r>
+            <a:br>
+              <a:rPr lang="en-US">
+                <a:solidFill>
+                  <a:srgbClr val="313131"/>
+                </a:solidFill>
+              </a:rPr>
+            </a:br>
+            <a:r>
+              <a:rPr lang="en-US">
+                <a:solidFill>
+                  <a:srgbClr val="313131"/>
+                </a:solidFill>
+              </a:rPr>
+              <a:t>   case value :</a:t>
+            </a:r>
+            <a:br>
+              <a:rPr lang="en-US">
+                <a:solidFill>
+                  <a:srgbClr val="313131"/>
+                </a:solidFill>
+              </a:rPr>
+            </a:br>
+            <a:r>
+              <a:rPr lang="en-US">
+                <a:solidFill>
+                  <a:srgbClr val="313131"/>
+                </a:solidFill>
+              </a:rPr>
+              <a:t>      // Statements</a:t>
+            </a:r>
+            <a:br>
+              <a:rPr lang="en-US">
+                <a:solidFill>
+                  <a:srgbClr val="313131"/>
+                </a:solidFill>
+              </a:rPr>
+            </a:br>
+            <a:r>
+              <a:rPr lang="en-US">
+                <a:solidFill>
+                  <a:srgbClr val="313131"/>
+                </a:solidFill>
+              </a:rPr>
+              <a:t>      break; // optional</a:t>
+            </a:r>
+            <a:br>
+              <a:rPr lang="en-US">
+                <a:solidFill>
+                  <a:srgbClr val="313131"/>
+                </a:solidFill>
+              </a:rPr>
+            </a:br>
+            <a:r>
+              <a:rPr lang="en-US">
+                <a:solidFill>
+                  <a:srgbClr val="313131"/>
+                </a:solidFill>
+              </a:rPr>
+              <a:t>   </a:t>
+            </a:r>
+            <a:br>
+              <a:rPr lang="en-US">
+                <a:solidFill>
+                  <a:srgbClr val="313131"/>
+                </a:solidFill>
+              </a:rPr>
+            </a:br>
+            <a:r>
+              <a:rPr lang="en-US">
+                <a:solidFill>
+                  <a:srgbClr val="313131"/>
+                </a:solidFill>
+              </a:rPr>
+              <a:t>   case value :</a:t>
+            </a:r>
+            <a:br>
+              <a:rPr lang="en-US">
+                <a:solidFill>
+                  <a:srgbClr val="313131"/>
+                </a:solidFill>
+              </a:rPr>
+            </a:br>
+            <a:r>
+              <a:rPr lang="en-US">
+                <a:solidFill>
+                  <a:srgbClr val="313131"/>
+                </a:solidFill>
+              </a:rPr>
+              <a:t>      // Statements</a:t>
+            </a:r>
+            <a:br>
+              <a:rPr lang="en-US">
+                <a:solidFill>
+                  <a:srgbClr val="313131"/>
+                </a:solidFill>
+              </a:rPr>
+            </a:br>
+            <a:r>
+              <a:rPr lang="en-US">
+                <a:solidFill>
+                  <a:srgbClr val="313131"/>
+                </a:solidFill>
+              </a:rPr>
+              <a:t>      break; // optional</a:t>
+            </a:r>
+            <a:br>
+              <a:rPr lang="en-US">
+                <a:solidFill>
+                  <a:srgbClr val="313131"/>
+                </a:solidFill>
+              </a:rPr>
+            </a:br>
+            <a:r>
+              <a:rPr lang="en-US">
+                <a:solidFill>
+                  <a:srgbClr val="313131"/>
+                </a:solidFill>
+              </a:rPr>
+              <a:t>   </a:t>
+            </a:r>
+            <a:br>
+              <a:rPr lang="en-US">
+                <a:solidFill>
+                  <a:srgbClr val="313131"/>
+                </a:solidFill>
+              </a:rPr>
+            </a:br>
+            <a:r>
+              <a:rPr lang="en-US">
+                <a:solidFill>
+                  <a:srgbClr val="313131"/>
+                </a:solidFill>
+              </a:rPr>
+              <a:t>   // You can have any number of case statements.</a:t>
+            </a:r>
+            <a:br>
+              <a:rPr lang="en-US">
+                <a:solidFill>
+                  <a:srgbClr val="313131"/>
+                </a:solidFill>
+              </a:rPr>
+            </a:br>
+            <a:r>
+              <a:rPr lang="en-US">
+                <a:solidFill>
+                  <a:srgbClr val="313131"/>
+                </a:solidFill>
+              </a:rPr>
+              <a:t>   default : // Optional</a:t>
+            </a:r>
+            <a:br>
+              <a:rPr lang="en-US">
+                <a:solidFill>
+                  <a:srgbClr val="313131"/>
+                </a:solidFill>
+              </a:rPr>
+            </a:br>
+            <a:r>
+              <a:rPr lang="en-US">
+                <a:solidFill>
+                  <a:srgbClr val="313131"/>
+                </a:solidFill>
+              </a:rPr>
+              <a:t>      // Statements</a:t>
+            </a:r>
+            <a:br>
+              <a:rPr lang="en-US">
+                <a:solidFill>
+                  <a:srgbClr val="313131"/>
+                </a:solidFill>
+              </a:rPr>
+            </a:br>
+            <a:r>
+              <a:rPr lang="en-US">
+                <a:solidFill>
+                  <a:srgbClr val="313131"/>
+                </a:solidFill>
+              </a:rPr>
+              <a:t>}</a:t>
+            </a:r>
+          </a:p>
+          <a:p>
+            <a:pPr lvl="0" rtl="0">
+              <a:spcBef>
+                <a:spcPts val="0"/>
+              </a:spcBef>
+              <a:buNone/>
+            </a:pPr>
+            <a:r>
+              <a:t/>
+            </a:r>
+            <a:endParaRPr/>
+          </a:p>
+        </p:txBody>
+      </p:sp>
+      <p:sp>
+        <p:nvSpPr>
+          <p:cNvPr id="233" name="Shape 233"/>
+          <p:cNvSpPr txBox="1"/>
+          <p:nvPr>
+            <p:ph type="title"/>
+          </p:nvPr>
+        </p:nvSpPr>
+        <p:spPr>
+          <a:xfrm>
+            <a:off x="729450" y="1758200"/>
+            <a:ext cx="7688700" cy="713700"/>
+          </a:xfrm>
+          <a:prstGeom prst="rect">
+            <a:avLst/>
+          </a:prstGeom>
+        </p:spPr>
+        <p:txBody>
+          <a:bodyPr anchorCtr="0" anchor="t" bIns="91425" lIns="91425" rIns="91425" wrap="square" tIns="91425">
+            <a:noAutofit/>
+          </a:bodyPr>
+          <a:lstStyle/>
+          <a:p>
+            <a:pPr lvl="0" rtl="0">
+              <a:spcBef>
+                <a:spcPts val="0"/>
+              </a:spcBef>
+              <a:buNone/>
+            </a:pPr>
+            <a:r>
+              <a:rPr lang="en-US"/>
+              <a:t>Decision Making</a:t>
+            </a:r>
+          </a:p>
+        </p:txBody>
+      </p:sp>
+      <p:pic>
+        <p:nvPicPr>
+          <p:cNvPr id="234" name="Shape 234"/>
+          <p:cNvPicPr preferRelativeResize="0"/>
+          <p:nvPr/>
+        </p:nvPicPr>
+        <p:blipFill>
+          <a:blip r:embed="rId3">
+            <a:alphaModFix/>
+          </a:blip>
+          <a:stretch>
+            <a:fillRect/>
+          </a:stretch>
+        </p:blipFill>
+        <p:spPr>
+          <a:xfrm>
+            <a:off x="5044949" y="2624674"/>
+            <a:ext cx="2806100" cy="3634250"/>
+          </a:xfrm>
+          <a:prstGeom prst="rect">
+            <a:avLst/>
+          </a:prstGeom>
+          <a:noFill/>
+          <a:ln>
+            <a:noFill/>
+          </a:ln>
+        </p:spPr>
+      </p:pic>
+    </p:spTree>
+  </p:cSld>
+  <p:clrMapOvr>
+    <a:masterClrMapping/>
+  </p:clrMapOvr>
+  <p:transition spd="med">
+    <p:fade/>
+  </p:transition>
+</p:sld>
+</file>
+
+<file path=ppt/slides/slide18.xml><?xml version="1.0" encoding="utf-8"?>
+<p:sld xmlns:a="http://schemas.openxmlformats.org/drawingml/2006/main" xmlns:r="http://schemas.openxmlformats.org/officeDocument/2006/relationships" xmlns:mc="http://schemas.openxmlformats.org/markup-compatibility/2006" xmlns:mv="urn:schemas-microsoft-com:mac:vml" xmlns:p="http://schemas.openxmlformats.org/presentationml/2006/main" xmlns:c="http://schemas.openxmlformats.org/drawingml/2006/chart" xmlns:dgm="http://schemas.openxmlformats.org/drawingml/2006/diagram" xmlns:o="urn:schemas-microsoft-com:office:office" xmlns:v="urn:schemas-microsoft-com:vml" xmlns:pvml="urn:schemas-microsoft-com:office:powerpoint" xmlns:com="http://schemas.openxmlformats.org/drawingml/2006/compatibility" xmlns:p14="http://schemas.microsoft.com/office/powerpoint/2010/main" xmlns:p15="http://schemas.microsoft.com/office/powerpoint/2012/main">
+  <p:cSld>
+    <p:spTree>
+      <p:nvGrpSpPr>
+        <p:cNvPr id="240" name="Shape 240"/>
+        <p:cNvGrpSpPr/>
+        <p:nvPr/>
+      </p:nvGrpSpPr>
+      <p:grpSpPr>
+        <a:xfrm>
+          <a:off x="0" y="0"/>
+          <a:ext cx="0" cy="0"/>
+          <a:chOff x="0" y="0"/>
+          <a:chExt cx="0" cy="0"/>
+        </a:xfrm>
+      </p:grpSpPr>
+      <p:sp>
+        <p:nvSpPr>
+          <p:cNvPr id="241" name="Shape 241"/>
+          <p:cNvSpPr txBox="1"/>
+          <p:nvPr>
+            <p:ph type="title"/>
+          </p:nvPr>
+        </p:nvSpPr>
+        <p:spPr>
+          <a:xfrm>
+            <a:off x="729450" y="1758200"/>
+            <a:ext cx="7688700" cy="713700"/>
+          </a:xfrm>
+          <a:prstGeom prst="rect">
+            <a:avLst/>
+          </a:prstGeom>
+        </p:spPr>
+        <p:txBody>
+          <a:bodyPr anchorCtr="0" anchor="t" bIns="91425" lIns="91425" rIns="91425" wrap="square" tIns="91425">
+            <a:noAutofit/>
+          </a:bodyPr>
+          <a:lstStyle/>
+          <a:p>
+            <a:pPr lvl="0" rtl="0">
+              <a:spcBef>
+                <a:spcPts val="0"/>
+              </a:spcBef>
+              <a:buNone/>
+            </a:pPr>
+            <a:r>
+              <a:rPr lang="en-US"/>
+              <a:t>Loop</a:t>
+            </a:r>
+          </a:p>
+        </p:txBody>
+      </p:sp>
+      <p:sp>
+        <p:nvSpPr>
+          <p:cNvPr id="242" name="Shape 242"/>
+          <p:cNvSpPr txBox="1"/>
+          <p:nvPr>
+            <p:ph idx="1" type="body"/>
+          </p:nvPr>
+        </p:nvSpPr>
+        <p:spPr>
+          <a:xfrm>
+            <a:off x="729450" y="2771833"/>
+            <a:ext cx="7688700" cy="3014700"/>
+          </a:xfrm>
+          <a:prstGeom prst="rect">
+            <a:avLst/>
+          </a:prstGeom>
+        </p:spPr>
+        <p:txBody>
+          <a:bodyPr anchorCtr="0" anchor="t" bIns="91425" lIns="91425" rIns="91425" wrap="square" tIns="91425">
+            <a:noAutofit/>
+          </a:bodyPr>
+          <a:lstStyle/>
+          <a:p>
+            <a:pPr indent="0" lvl="0" marL="50800" marR="50800" rtl="0">
+              <a:spcBef>
+                <a:spcPts val="0"/>
+              </a:spcBef>
+              <a:spcAft>
+                <a:spcPts val="0"/>
+              </a:spcAft>
+              <a:buNone/>
+            </a:pPr>
+            <a:r>
+              <a:rPr lang="en-US">
+                <a:solidFill>
+                  <a:srgbClr val="313131"/>
+                </a:solidFill>
+              </a:rPr>
+              <a:t>The most popular loop in Java</a:t>
+            </a:r>
+          </a:p>
+          <a:p>
+            <a:pPr indent="0" lvl="0" marL="50800" marR="50800" rtl="0">
+              <a:spcBef>
+                <a:spcPts val="0"/>
+              </a:spcBef>
+              <a:spcAft>
+                <a:spcPts val="0"/>
+              </a:spcAft>
+              <a:buNone/>
+            </a:pPr>
+            <a:r>
+              <a:t/>
+            </a:r>
+            <a:endParaRPr>
+              <a:solidFill>
+                <a:srgbClr val="313131"/>
+              </a:solidFill>
+            </a:endParaRPr>
+          </a:p>
+          <a:p>
+            <a:pPr indent="0" lvl="0" marL="50800" marR="50800" rtl="0">
+              <a:spcBef>
+                <a:spcPts val="0"/>
+              </a:spcBef>
+              <a:spcAft>
+                <a:spcPts val="0"/>
+              </a:spcAft>
+              <a:buNone/>
+            </a:pPr>
+            <a:r>
+              <a:rPr lang="en-US">
+                <a:solidFill>
+                  <a:srgbClr val="313131"/>
+                </a:solidFill>
+              </a:rPr>
+              <a:t>for(expression 1; expression 2;expression 3){</a:t>
+            </a:r>
+          </a:p>
+          <a:p>
+            <a:pPr indent="0" lvl="0" marL="50800" marR="50800" rtl="0">
+              <a:spcBef>
+                <a:spcPts val="0"/>
+              </a:spcBef>
+              <a:spcAft>
+                <a:spcPts val="0"/>
+              </a:spcAft>
+              <a:buNone/>
+            </a:pPr>
+            <a:r>
+              <a:rPr lang="en-US">
+                <a:solidFill>
+                  <a:srgbClr val="313131"/>
+                </a:solidFill>
+              </a:rPr>
+              <a:t>}</a:t>
+            </a:r>
+          </a:p>
+          <a:p>
+            <a:pPr indent="0" lvl="0" marL="50800" marR="50800" rtl="0">
+              <a:spcBef>
+                <a:spcPts val="0"/>
+              </a:spcBef>
+              <a:spcAft>
+                <a:spcPts val="0"/>
+              </a:spcAft>
+              <a:buNone/>
+            </a:pPr>
+            <a:r>
+              <a:t/>
+            </a:r>
+            <a:endParaRPr>
+              <a:solidFill>
+                <a:srgbClr val="313131"/>
+              </a:solidFill>
+            </a:endParaRPr>
+          </a:p>
+          <a:p>
+            <a:pPr indent="0" lvl="0" marL="50800" marR="50800" rtl="0">
+              <a:spcBef>
+                <a:spcPts val="0"/>
+              </a:spcBef>
+              <a:spcAft>
+                <a:spcPts val="0"/>
+              </a:spcAft>
+              <a:buNone/>
+            </a:pPr>
+            <a:r>
+              <a:rPr lang="en-US">
+                <a:solidFill>
+                  <a:srgbClr val="313131"/>
+                </a:solidFill>
+              </a:rPr>
+              <a:t>for(declaration : expression) {</a:t>
+            </a:r>
+            <a:br>
+              <a:rPr lang="en-US">
+                <a:solidFill>
+                  <a:srgbClr val="313131"/>
+                </a:solidFill>
+              </a:rPr>
+            </a:br>
+            <a:r>
+              <a:rPr lang="en-US">
+                <a:solidFill>
+                  <a:srgbClr val="313131"/>
+                </a:solidFill>
+              </a:rPr>
+              <a:t>   // Statements</a:t>
+            </a:r>
+            <a:br>
+              <a:rPr lang="en-US">
+                <a:solidFill>
+                  <a:srgbClr val="313131"/>
+                </a:solidFill>
+              </a:rPr>
+            </a:br>
+            <a:r>
+              <a:rPr lang="en-US">
+                <a:solidFill>
+                  <a:srgbClr val="313131"/>
+                </a:solidFill>
+              </a:rPr>
+              <a:t>}</a:t>
+            </a:r>
+          </a:p>
+          <a:p>
+            <a:pPr lvl="0" rtl="0">
+              <a:spcBef>
+                <a:spcPts val="0"/>
+              </a:spcBef>
+              <a:buNone/>
+            </a:pPr>
+            <a:r>
+              <a:t/>
+            </a:r>
+            <a:endParaRPr/>
+          </a:p>
+        </p:txBody>
+      </p:sp>
+      <p:pic>
+        <p:nvPicPr>
+          <p:cNvPr id="243" name="Shape 243"/>
+          <p:cNvPicPr preferRelativeResize="0"/>
+          <p:nvPr/>
+        </p:nvPicPr>
+        <p:blipFill>
+          <a:blip r:embed="rId3">
+            <a:alphaModFix/>
+          </a:blip>
+          <a:stretch>
+            <a:fillRect/>
+          </a:stretch>
+        </p:blipFill>
+        <p:spPr>
+          <a:xfrm>
+            <a:off x="4414550" y="2472849"/>
+            <a:ext cx="2784400" cy="3622199"/>
+          </a:xfrm>
+          <a:prstGeom prst="rect">
+            <a:avLst/>
+          </a:prstGeom>
+          <a:noFill/>
+          <a:ln>
+            <a:noFill/>
+          </a:ln>
+        </p:spPr>
+      </p:pic>
+    </p:spTree>
+  </p:cSld>
+  <p:clrMapOvr>
+    <a:masterClrMapping/>
+  </p:clrMapOvr>
+  <p:transition spd="med">
+    <p:fade/>
+  </p:transition>
+</p:sld>
+</file>
+
+<file path=ppt/slides/slide19.xml><?xml version="1.0" encoding="utf-8"?>
+<p:sld xmlns:a="http://schemas.openxmlformats.org/drawingml/2006/main" xmlns:r="http://schemas.openxmlformats.org/officeDocument/2006/relationships" xmlns:mc="http://schemas.openxmlformats.org/markup-compatibility/2006" xmlns:mv="urn:schemas-microsoft-com:mac:vml" xmlns:p="http://schemas.openxmlformats.org/presentationml/2006/main" xmlns:c="http://schemas.openxmlformats.org/drawingml/2006/chart" xmlns:dgm="http://schemas.openxmlformats.org/drawingml/2006/diagram" xmlns:o="urn:schemas-microsoft-com:office:office" xmlns:v="urn:schemas-microsoft-com:vml" xmlns:pvml="urn:schemas-microsoft-com:office:powerpoint" xmlns:com="http://schemas.openxmlformats.org/drawingml/2006/compatibility" xmlns:p14="http://schemas.microsoft.com/office/powerpoint/2010/main" xmlns:p15="http://schemas.microsoft.com/office/powerpoint/2012/main">
+  <p:cSld>
+    <p:spTree>
+      <p:nvGrpSpPr>
+        <p:cNvPr id="249" name="Shape 249"/>
+        <p:cNvGrpSpPr/>
+        <p:nvPr/>
+      </p:nvGrpSpPr>
+      <p:grpSpPr>
+        <a:xfrm>
+          <a:off x="0" y="0"/>
+          <a:ext cx="0" cy="0"/>
+          <a:chOff x="0" y="0"/>
+          <a:chExt cx="0" cy="0"/>
+        </a:xfrm>
+      </p:grpSpPr>
+      <p:sp>
+        <p:nvSpPr>
+          <p:cNvPr id="250" name="Shape 250"/>
+          <p:cNvSpPr txBox="1"/>
+          <p:nvPr>
+            <p:ph idx="1" type="body"/>
+          </p:nvPr>
+        </p:nvSpPr>
+        <p:spPr>
+          <a:xfrm>
+            <a:off x="729450" y="2771825"/>
+            <a:ext cx="2544300" cy="3014700"/>
+          </a:xfrm>
+          <a:prstGeom prst="rect">
+            <a:avLst/>
+          </a:prstGeom>
+        </p:spPr>
+        <p:txBody>
+          <a:bodyPr anchorCtr="0" anchor="t" bIns="91425" lIns="91425" rIns="91425" wrap="square" tIns="91425">
+            <a:noAutofit/>
+          </a:bodyPr>
+          <a:lstStyle/>
+          <a:p>
+            <a:pPr lvl="0" rtl="0">
+              <a:lnSpc>
+                <a:spcPct val="100000"/>
+              </a:lnSpc>
+              <a:spcBef>
+                <a:spcPts val="0"/>
+              </a:spcBef>
+              <a:spcAft>
+                <a:spcPts val="0"/>
+              </a:spcAft>
+              <a:buNone/>
+            </a:pPr>
+            <a:r>
+              <a:rPr lang="en-US">
+                <a:solidFill>
+                  <a:srgbClr val="000000"/>
+                </a:solidFill>
+              </a:rPr>
+              <a:t>while (expression) </a:t>
+            </a:r>
+          </a:p>
+          <a:p>
+            <a:pPr lvl="0" rtl="0">
+              <a:lnSpc>
+                <a:spcPct val="100000"/>
+              </a:lnSpc>
+              <a:spcBef>
+                <a:spcPts val="0"/>
+              </a:spcBef>
+              <a:spcAft>
+                <a:spcPts val="0"/>
+              </a:spcAft>
+              <a:buNone/>
+            </a:pPr>
+            <a:r>
+              <a:rPr lang="en-US">
+                <a:solidFill>
+                  <a:srgbClr val="000000"/>
+                </a:solidFill>
+              </a:rPr>
+              <a:t>{ statement(s) } </a:t>
+            </a:r>
+          </a:p>
+          <a:p>
+            <a:pPr lvl="0" marL="336550" rtl="0">
+              <a:lnSpc>
+                <a:spcPct val="100000"/>
+              </a:lnSpc>
+              <a:spcBef>
+                <a:spcPts val="600"/>
+              </a:spcBef>
+              <a:spcAft>
+                <a:spcPts val="0"/>
+              </a:spcAft>
+              <a:buNone/>
+            </a:pPr>
+            <a:r>
+              <a:t/>
+            </a:r>
+            <a:endParaRPr>
+              <a:solidFill>
+                <a:srgbClr val="000000"/>
+              </a:solidFill>
+            </a:endParaRPr>
+          </a:p>
+          <a:p>
+            <a:pPr lvl="0" marL="336550" rtl="0">
+              <a:lnSpc>
+                <a:spcPct val="100000"/>
+              </a:lnSpc>
+              <a:spcBef>
+                <a:spcPts val="600"/>
+              </a:spcBef>
+              <a:spcAft>
+                <a:spcPts val="0"/>
+              </a:spcAft>
+              <a:buNone/>
+            </a:pPr>
+            <a:r>
+              <a:t/>
+            </a:r>
+            <a:endParaRPr>
+              <a:solidFill>
+                <a:srgbClr val="000000"/>
+              </a:solidFill>
+            </a:endParaRPr>
+          </a:p>
+          <a:p>
+            <a:pPr lvl="0" marL="336550" rtl="0">
+              <a:lnSpc>
+                <a:spcPct val="100000"/>
+              </a:lnSpc>
+              <a:spcBef>
+                <a:spcPts val="600"/>
+              </a:spcBef>
+              <a:spcAft>
+                <a:spcPts val="0"/>
+              </a:spcAft>
+              <a:buNone/>
+            </a:pPr>
+            <a:r>
+              <a:t/>
+            </a:r>
+            <a:endParaRPr>
+              <a:solidFill>
+                <a:srgbClr val="000000"/>
+              </a:solidFill>
+            </a:endParaRPr>
+          </a:p>
+          <a:p>
+            <a:pPr lvl="0" rtl="0">
+              <a:lnSpc>
+                <a:spcPct val="100000"/>
+              </a:lnSpc>
+              <a:spcBef>
+                <a:spcPts val="600"/>
+              </a:spcBef>
+              <a:spcAft>
+                <a:spcPts val="0"/>
+              </a:spcAft>
+              <a:buNone/>
+            </a:pPr>
+            <a:r>
+              <a:rPr lang="en-US">
+                <a:solidFill>
+                  <a:srgbClr val="000000"/>
+                </a:solidFill>
+              </a:rPr>
+              <a:t>do </a:t>
+            </a:r>
+          </a:p>
+          <a:p>
+            <a:pPr lvl="0" rtl="0">
+              <a:lnSpc>
+                <a:spcPct val="100000"/>
+              </a:lnSpc>
+              <a:spcBef>
+                <a:spcPts val="600"/>
+              </a:spcBef>
+              <a:spcAft>
+                <a:spcPts val="0"/>
+              </a:spcAft>
+              <a:buNone/>
+            </a:pPr>
+            <a:r>
+              <a:rPr lang="en-US">
+                <a:solidFill>
+                  <a:srgbClr val="000000"/>
+                </a:solidFill>
+              </a:rPr>
+              <a:t>{ statement(s) } </a:t>
+            </a:r>
+          </a:p>
+          <a:p>
+            <a:pPr lvl="0" rtl="0">
+              <a:lnSpc>
+                <a:spcPct val="100000"/>
+              </a:lnSpc>
+              <a:spcBef>
+                <a:spcPts val="600"/>
+              </a:spcBef>
+              <a:spcAft>
+                <a:spcPts val="0"/>
+              </a:spcAft>
+              <a:buNone/>
+            </a:pPr>
+            <a:r>
+              <a:rPr lang="en-US">
+                <a:solidFill>
+                  <a:srgbClr val="000000"/>
+                </a:solidFill>
+              </a:rPr>
+              <a:t>while (expression);</a:t>
+            </a:r>
+          </a:p>
+        </p:txBody>
+      </p:sp>
+      <p:sp>
+        <p:nvSpPr>
+          <p:cNvPr id="251" name="Shape 251"/>
+          <p:cNvSpPr txBox="1"/>
+          <p:nvPr>
+            <p:ph type="title"/>
+          </p:nvPr>
+        </p:nvSpPr>
+        <p:spPr>
+          <a:xfrm>
+            <a:off x="729450" y="1758200"/>
+            <a:ext cx="7688700" cy="713700"/>
+          </a:xfrm>
+          <a:prstGeom prst="rect">
+            <a:avLst/>
+          </a:prstGeom>
+        </p:spPr>
+        <p:txBody>
+          <a:bodyPr anchorCtr="0" anchor="t" bIns="91425" lIns="91425" rIns="91425" wrap="square" tIns="91425">
+            <a:noAutofit/>
+          </a:bodyPr>
+          <a:lstStyle/>
+          <a:p>
+            <a:pPr lvl="0" rtl="0">
+              <a:spcBef>
+                <a:spcPts val="0"/>
+              </a:spcBef>
+              <a:buNone/>
+            </a:pPr>
+            <a:r>
+              <a:rPr lang="en-US"/>
+              <a:t>Loop</a:t>
+            </a:r>
+          </a:p>
+        </p:txBody>
+      </p:sp>
+      <p:pic>
+        <p:nvPicPr>
+          <p:cNvPr id="252" name="Shape 252"/>
+          <p:cNvPicPr preferRelativeResize="0"/>
+          <p:nvPr/>
+        </p:nvPicPr>
+        <p:blipFill>
+          <a:blip r:embed="rId3">
+            <a:alphaModFix/>
+          </a:blip>
+          <a:stretch>
+            <a:fillRect/>
+          </a:stretch>
+        </p:blipFill>
+        <p:spPr>
+          <a:xfrm>
+            <a:off x="4414550" y="2472849"/>
+            <a:ext cx="2784400" cy="3622199"/>
+          </a:xfrm>
+          <a:prstGeom prst="rect">
+            <a:avLst/>
+          </a:prstGeom>
+          <a:noFill/>
+          <a:ln>
+            <a:noFill/>
+          </a:ln>
+        </p:spPr>
+      </p:pic>
+    </p:spTree>
+  </p:cSld>
+  <p:clrMapOvr>
+    <a:masterClrMapping/>
+  </p:clrMapOvr>
+  <p:transition spd="med">
+    <p:fade/>
+  </p:transition>
+</p:sld>
+</file>
+
 <file path=ppt/slides/slide2.xml><?xml version="1.0" encoding="utf-8"?>
 <p:sld xmlns:a="http://schemas.openxmlformats.org/drawingml/2006/main" xmlns:r="http://schemas.openxmlformats.org/officeDocument/2006/relationships" xmlns:mc="http://schemas.openxmlformats.org/markup-compatibility/2006" xmlns:mv="urn:schemas-microsoft-com:mac:vml" xmlns:p="http://schemas.openxmlformats.org/presentationml/2006/main" xmlns:c="http://schemas.openxmlformats.org/drawingml/2006/chart" xmlns:dgm="http://schemas.openxmlformats.org/drawingml/2006/diagram" xmlns:o="urn:schemas-microsoft-com:office:office" xmlns:v="urn:schemas-microsoft-com:vml" xmlns:pvml="urn:schemas-microsoft-com:office:powerpoint" xmlns:com="http://schemas.openxmlformats.org/drawingml/2006/compatibility" xmlns:p14="http://schemas.microsoft.com/office/powerpoint/2010/main" xmlns:p15="http://schemas.microsoft.com/office/powerpoint/2012/main">
   <p:cSld>
@@ -11434,6 +14555,1382 @@
   <p:transition spd="med">
     <p:fade/>
   </p:transition>
+</p:sld>
+</file>
+
+<file path=ppt/slides/slide20.xml><?xml version="1.0" encoding="utf-8"?>
+<p:sld xmlns:a="http://schemas.openxmlformats.org/drawingml/2006/main" xmlns:r="http://schemas.openxmlformats.org/officeDocument/2006/relationships" xmlns:mc="http://schemas.openxmlformats.org/markup-compatibility/2006" xmlns:mv="urn:schemas-microsoft-com:mac:vml" xmlns:p="http://schemas.openxmlformats.org/presentationml/2006/main" xmlns:c="http://schemas.openxmlformats.org/drawingml/2006/chart" xmlns:dgm="http://schemas.openxmlformats.org/drawingml/2006/diagram" xmlns:o="urn:schemas-microsoft-com:office:office" xmlns:v="urn:schemas-microsoft-com:vml" xmlns:pvml="urn:schemas-microsoft-com:office:powerpoint" xmlns:com="http://schemas.openxmlformats.org/drawingml/2006/compatibility" xmlns:p14="http://schemas.microsoft.com/office/powerpoint/2010/main" xmlns:p15="http://schemas.microsoft.com/office/powerpoint/2012/main">
+  <p:cSld>
+    <p:spTree>
+      <p:nvGrpSpPr>
+        <p:cNvPr id="256" name="Shape 256"/>
+        <p:cNvGrpSpPr/>
+        <p:nvPr/>
+      </p:nvGrpSpPr>
+      <p:grpSpPr>
+        <a:xfrm>
+          <a:off x="0" y="0"/>
+          <a:ext cx="0" cy="0"/>
+          <a:chOff x="0" y="0"/>
+          <a:chExt cx="0" cy="0"/>
+        </a:xfrm>
+      </p:grpSpPr>
+      <p:sp>
+        <p:nvSpPr>
+          <p:cNvPr id="257" name="Shape 257"/>
+          <p:cNvSpPr txBox="1"/>
+          <p:nvPr>
+            <p:ph idx="1" type="body"/>
+          </p:nvPr>
+        </p:nvSpPr>
+        <p:spPr>
+          <a:xfrm>
+            <a:off x="729450" y="2771833"/>
+            <a:ext cx="7688700" cy="3014700"/>
+          </a:xfrm>
+          <a:prstGeom prst="rect">
+            <a:avLst/>
+          </a:prstGeom>
+        </p:spPr>
+        <p:txBody>
+          <a:bodyPr anchorCtr="0" anchor="t" bIns="91425" lIns="91425" rIns="91425" wrap="square" tIns="91425">
+            <a:noAutofit/>
+          </a:bodyPr>
+          <a:lstStyle/>
+          <a:p>
+            <a:pPr lvl="0" rtl="0">
+              <a:spcBef>
+                <a:spcPts val="0"/>
+              </a:spcBef>
+              <a:buNone/>
+            </a:pPr>
+            <a:r>
+              <a:rPr lang="en-US">
+                <a:solidFill>
+                  <a:srgbClr val="000000"/>
+                </a:solidFill>
+              </a:rPr>
+              <a:t>A package is a namespace for organizing classes and interfaces in a logical manner. Placing your code into packages makes large software projects easier to manage. </a:t>
+            </a:r>
+          </a:p>
+          <a:p>
+            <a:pPr lvl="0" rtl="0">
+              <a:spcBef>
+                <a:spcPts val="0"/>
+              </a:spcBef>
+              <a:buNone/>
+            </a:pPr>
+            <a:r>
+              <a:t/>
+            </a:r>
+            <a:endParaRPr>
+              <a:solidFill>
+                <a:srgbClr val="000000"/>
+              </a:solidFill>
+            </a:endParaRPr>
+          </a:p>
+          <a:p>
+            <a:pPr lvl="0" rtl="0">
+              <a:spcBef>
+                <a:spcPts val="0"/>
+              </a:spcBef>
+              <a:buNone/>
+            </a:pPr>
+            <a:r>
+              <a:rPr lang="en-US">
+                <a:solidFill>
+                  <a:srgbClr val="000000"/>
+                </a:solidFill>
+              </a:rPr>
+              <a:t>Import: </a:t>
+            </a:r>
+            <a:r>
+              <a:rPr lang="en-US">
+                <a:solidFill>
+                  <a:srgbClr val="000000"/>
+                </a:solidFill>
+                <a:highlight>
+                  <a:srgbClr val="FFFFFF"/>
+                </a:highlight>
+              </a:rPr>
+              <a:t>Import statement is a way of giving the proper location for the compiler to find that particular class.</a:t>
+            </a:r>
+          </a:p>
+          <a:p>
+            <a:pPr indent="0" lvl="0" marL="50800" marR="50800" rtl="0">
+              <a:spcBef>
+                <a:spcPts val="0"/>
+              </a:spcBef>
+              <a:spcAft>
+                <a:spcPts val="0"/>
+              </a:spcAft>
+              <a:buNone/>
+            </a:pPr>
+            <a:r>
+              <a:rPr lang="en-US">
+                <a:solidFill>
+                  <a:srgbClr val="313131"/>
+                </a:solidFill>
+              </a:rPr>
+              <a:t>import java.io.*;</a:t>
+            </a:r>
+          </a:p>
+          <a:p>
+            <a:pPr lvl="0" rtl="0">
+              <a:spcBef>
+                <a:spcPts val="0"/>
+              </a:spcBef>
+              <a:buNone/>
+            </a:pPr>
+            <a:r>
+              <a:t/>
+            </a:r>
+            <a:endParaRPr sz="1150">
+              <a:solidFill>
+                <a:srgbClr val="000000"/>
+              </a:solidFill>
+              <a:highlight>
+                <a:srgbClr val="FFFFFF"/>
+              </a:highlight>
+              <a:latin typeface="Verdana"/>
+              <a:ea typeface="Verdana"/>
+              <a:cs typeface="Verdana"/>
+              <a:sym typeface="Verdana"/>
+            </a:endParaRPr>
+          </a:p>
+        </p:txBody>
+      </p:sp>
+      <p:sp>
+        <p:nvSpPr>
+          <p:cNvPr id="258" name="Shape 258"/>
+          <p:cNvSpPr txBox="1"/>
+          <p:nvPr>
+            <p:ph type="title"/>
+          </p:nvPr>
+        </p:nvSpPr>
+        <p:spPr>
+          <a:xfrm>
+            <a:off x="729450" y="1758200"/>
+            <a:ext cx="7688700" cy="713700"/>
+          </a:xfrm>
+          <a:prstGeom prst="rect">
+            <a:avLst/>
+          </a:prstGeom>
+        </p:spPr>
+        <p:txBody>
+          <a:bodyPr anchorCtr="0" anchor="t" bIns="91425" lIns="91425" rIns="91425" wrap="square" tIns="91425">
+            <a:noAutofit/>
+          </a:bodyPr>
+          <a:lstStyle/>
+          <a:p>
+            <a:pPr lvl="0" rtl="0">
+              <a:spcBef>
+                <a:spcPts val="0"/>
+              </a:spcBef>
+              <a:buNone/>
+            </a:pPr>
+            <a:r>
+              <a:rPr lang="en-US"/>
+              <a:t>Package &amp; Import</a:t>
+            </a:r>
+          </a:p>
+        </p:txBody>
+      </p:sp>
+    </p:spTree>
+  </p:cSld>
+  <p:clrMapOvr>
+    <a:masterClrMapping/>
+  </p:clrMapOvr>
+  <p:transition spd="med">
+    <p:fade/>
+  </p:transition>
+</p:sld>
+</file>
+
+<file path=ppt/slides/slide21.xml><?xml version="1.0" encoding="utf-8"?>
+<p:sld xmlns:a="http://schemas.openxmlformats.org/drawingml/2006/main" xmlns:r="http://schemas.openxmlformats.org/officeDocument/2006/relationships" xmlns:mc="http://schemas.openxmlformats.org/markup-compatibility/2006" xmlns:mv="urn:schemas-microsoft-com:mac:vml" xmlns:p="http://schemas.openxmlformats.org/presentationml/2006/main" xmlns:c="http://schemas.openxmlformats.org/drawingml/2006/chart" xmlns:dgm="http://schemas.openxmlformats.org/drawingml/2006/diagram" xmlns:o="urn:schemas-microsoft-com:office:office" xmlns:v="urn:schemas-microsoft-com:vml" xmlns:pvml="urn:schemas-microsoft-com:office:powerpoint" xmlns:com="http://schemas.openxmlformats.org/drawingml/2006/compatibility" xmlns:p14="http://schemas.microsoft.com/office/powerpoint/2010/main" xmlns:p15="http://schemas.microsoft.com/office/powerpoint/2012/main">
+  <p:cSld>
+    <p:spTree>
+      <p:nvGrpSpPr>
+        <p:cNvPr id="264" name="Shape 264"/>
+        <p:cNvGrpSpPr/>
+        <p:nvPr/>
+      </p:nvGrpSpPr>
+      <p:grpSpPr>
+        <a:xfrm>
+          <a:off x="0" y="0"/>
+          <a:ext cx="0" cy="0"/>
+          <a:chOff x="0" y="0"/>
+          <a:chExt cx="0" cy="0"/>
+        </a:xfrm>
+      </p:grpSpPr>
+      <p:sp>
+        <p:nvSpPr>
+          <p:cNvPr id="265" name="Shape 265"/>
+          <p:cNvSpPr txBox="1"/>
+          <p:nvPr>
+            <p:ph idx="1" type="body"/>
+          </p:nvPr>
+        </p:nvSpPr>
+        <p:spPr>
+          <a:xfrm>
+            <a:off x="729450" y="2771833"/>
+            <a:ext cx="7688700" cy="3014700"/>
+          </a:xfrm>
+          <a:prstGeom prst="rect">
+            <a:avLst/>
+          </a:prstGeom>
+        </p:spPr>
+        <p:txBody>
+          <a:bodyPr anchorCtr="0" anchor="t" bIns="91425" lIns="91425" rIns="91425" wrap="square" tIns="91425">
+            <a:noAutofit/>
+          </a:bodyPr>
+          <a:lstStyle/>
+          <a:p>
+            <a:pPr lvl="0" marR="25400" rtl="0" algn="just">
+              <a:lnSpc>
+                <a:spcPct val="171428"/>
+              </a:lnSpc>
+              <a:spcBef>
+                <a:spcPts val="0"/>
+              </a:spcBef>
+              <a:spcAft>
+                <a:spcPts val="1500"/>
+              </a:spcAft>
+              <a:buNone/>
+            </a:pPr>
+            <a:r>
+              <a:rPr b="1" lang="en-US">
+                <a:solidFill>
+                  <a:srgbClr val="000000"/>
+                </a:solidFill>
+              </a:rPr>
+              <a:t>Object</a:t>
+            </a:r>
+            <a:r>
+              <a:rPr lang="en-US">
+                <a:solidFill>
+                  <a:srgbClr val="000000"/>
+                </a:solidFill>
+              </a:rPr>
+              <a:t> − An object is a software bundle of related state and behavior. Software objects are often used to model the real-world objects that you find in everyday life. This lesson explains how state and behavior are represented within an object, introduces the concept of data encapsulation, and explains the benefits of designing your software in this manner.</a:t>
+            </a:r>
+          </a:p>
+          <a:p>
+            <a:pPr lvl="0" marR="25400" rtl="0" algn="just">
+              <a:lnSpc>
+                <a:spcPct val="171428"/>
+              </a:lnSpc>
+              <a:spcBef>
+                <a:spcPts val="0"/>
+              </a:spcBef>
+              <a:spcAft>
+                <a:spcPts val="1500"/>
+              </a:spcAft>
+              <a:buNone/>
+            </a:pPr>
+            <a:r>
+              <a:rPr b="1" lang="en-US">
+                <a:solidFill>
+                  <a:srgbClr val="000000"/>
+                </a:solidFill>
+              </a:rPr>
+              <a:t>Class</a:t>
+            </a:r>
+            <a:r>
+              <a:rPr lang="en-US">
+                <a:solidFill>
+                  <a:srgbClr val="000000"/>
+                </a:solidFill>
+              </a:rPr>
+              <a:t> − In the real world, you'll often find many individual objects all of the same kind. There may be thousands of other bicycles in existence, all of the same make and model. Each bicycle was built from the same set of blueprints and therefore contains the same components. In object-oriented terms, we say that your bicycle is an </a:t>
+            </a:r>
+            <a:r>
+              <a:rPr i="1" lang="en-US">
+                <a:solidFill>
+                  <a:srgbClr val="000000"/>
+                </a:solidFill>
+              </a:rPr>
+              <a:t>instance</a:t>
+            </a:r>
+            <a:r>
+              <a:rPr lang="en-US">
+                <a:solidFill>
+                  <a:srgbClr val="000000"/>
+                </a:solidFill>
+              </a:rPr>
+              <a:t> of the </a:t>
+            </a:r>
+            <a:r>
+              <a:rPr i="1" lang="en-US">
+                <a:solidFill>
+                  <a:srgbClr val="000000"/>
+                </a:solidFill>
+              </a:rPr>
+              <a:t>class of objects</a:t>
+            </a:r>
+            <a:r>
+              <a:rPr lang="en-US">
+                <a:solidFill>
+                  <a:srgbClr val="000000"/>
+                </a:solidFill>
+              </a:rPr>
+              <a:t> known as bicycles. A </a:t>
+            </a:r>
+            <a:r>
+              <a:rPr i="1" lang="en-US">
+                <a:solidFill>
+                  <a:srgbClr val="000000"/>
+                </a:solidFill>
+              </a:rPr>
+              <a:t>class</a:t>
+            </a:r>
+            <a:r>
+              <a:rPr lang="en-US">
+                <a:solidFill>
+                  <a:srgbClr val="000000"/>
+                </a:solidFill>
+              </a:rPr>
+              <a:t> is the blueprint from which individual objects are created.</a:t>
+            </a:r>
+          </a:p>
+          <a:p>
+            <a:pPr lvl="0" marR="25400" rtl="0" algn="just">
+              <a:lnSpc>
+                <a:spcPct val="171428"/>
+              </a:lnSpc>
+              <a:spcBef>
+                <a:spcPts val="0"/>
+              </a:spcBef>
+              <a:spcAft>
+                <a:spcPts val="1500"/>
+              </a:spcAft>
+              <a:buNone/>
+            </a:pPr>
+            <a:r>
+              <a:t/>
+            </a:r>
+            <a:endParaRPr>
+              <a:solidFill>
+                <a:srgbClr val="000000"/>
+              </a:solidFill>
+            </a:endParaRPr>
+          </a:p>
+          <a:p>
+            <a:pPr lvl="0" marR="25400" rtl="0" algn="just">
+              <a:lnSpc>
+                <a:spcPct val="171428"/>
+              </a:lnSpc>
+              <a:spcBef>
+                <a:spcPts val="0"/>
+              </a:spcBef>
+              <a:spcAft>
+                <a:spcPts val="1500"/>
+              </a:spcAft>
+              <a:buNone/>
+            </a:pPr>
+            <a:r>
+              <a:t/>
+            </a:r>
+            <a:endParaRPr>
+              <a:solidFill>
+                <a:srgbClr val="000000"/>
+              </a:solidFill>
+            </a:endParaRPr>
+          </a:p>
+          <a:p>
+            <a:pPr lvl="0" rtl="0">
+              <a:spcBef>
+                <a:spcPts val="0"/>
+              </a:spcBef>
+              <a:buNone/>
+            </a:pPr>
+            <a:r>
+              <a:t/>
+            </a:r>
+            <a:endParaRPr/>
+          </a:p>
+        </p:txBody>
+      </p:sp>
+      <p:sp>
+        <p:nvSpPr>
+          <p:cNvPr id="266" name="Shape 266"/>
+          <p:cNvSpPr txBox="1"/>
+          <p:nvPr>
+            <p:ph type="title"/>
+          </p:nvPr>
+        </p:nvSpPr>
+        <p:spPr>
+          <a:xfrm>
+            <a:off x="729450" y="1758200"/>
+            <a:ext cx="7688700" cy="713700"/>
+          </a:xfrm>
+          <a:prstGeom prst="rect">
+            <a:avLst/>
+          </a:prstGeom>
+        </p:spPr>
+        <p:txBody>
+          <a:bodyPr anchorCtr="0" anchor="t" bIns="91425" lIns="91425" rIns="91425" wrap="square" tIns="91425">
+            <a:noAutofit/>
+          </a:bodyPr>
+          <a:lstStyle/>
+          <a:p>
+            <a:pPr lvl="0" rtl="0">
+              <a:spcBef>
+                <a:spcPts val="0"/>
+              </a:spcBef>
+              <a:buNone/>
+            </a:pPr>
+            <a:r>
+              <a:rPr lang="en-US"/>
+              <a:t>Object &amp; Class</a:t>
+            </a:r>
+          </a:p>
+        </p:txBody>
+      </p:sp>
+    </p:spTree>
+  </p:cSld>
+  <p:clrMapOvr>
+    <a:masterClrMapping/>
+  </p:clrMapOvr>
+  <p:transition spd="med">
+    <p:fade/>
+  </p:transition>
+</p:sld>
+</file>
+
+<file path=ppt/slides/slide22.xml><?xml version="1.0" encoding="utf-8"?>
+<p:sld xmlns:a="http://schemas.openxmlformats.org/drawingml/2006/main" xmlns:r="http://schemas.openxmlformats.org/officeDocument/2006/relationships" xmlns:mc="http://schemas.openxmlformats.org/markup-compatibility/2006" xmlns:mv="urn:schemas-microsoft-com:mac:vml" xmlns:p="http://schemas.openxmlformats.org/presentationml/2006/main" xmlns:c="http://schemas.openxmlformats.org/drawingml/2006/chart" xmlns:dgm="http://schemas.openxmlformats.org/drawingml/2006/diagram" xmlns:o="urn:schemas-microsoft-com:office:office" xmlns:v="urn:schemas-microsoft-com:vml" xmlns:pvml="urn:schemas-microsoft-com:office:powerpoint" xmlns:com="http://schemas.openxmlformats.org/drawingml/2006/compatibility" xmlns:p14="http://schemas.microsoft.com/office/powerpoint/2010/main" xmlns:p15="http://schemas.microsoft.com/office/powerpoint/2012/main">
+  <p:cSld>
+    <p:spTree>
+      <p:nvGrpSpPr>
+        <p:cNvPr id="272" name="Shape 272"/>
+        <p:cNvGrpSpPr/>
+        <p:nvPr/>
+      </p:nvGrpSpPr>
+      <p:grpSpPr>
+        <a:xfrm>
+          <a:off x="0" y="0"/>
+          <a:ext cx="0" cy="0"/>
+          <a:chOff x="0" y="0"/>
+          <a:chExt cx="0" cy="0"/>
+        </a:xfrm>
+      </p:grpSpPr>
+      <p:sp>
+        <p:nvSpPr>
+          <p:cNvPr id="273" name="Shape 273"/>
+          <p:cNvSpPr txBox="1"/>
+          <p:nvPr>
+            <p:ph type="title"/>
+          </p:nvPr>
+        </p:nvSpPr>
+        <p:spPr>
+          <a:xfrm>
+            <a:off x="729450" y="1758200"/>
+            <a:ext cx="7688700" cy="713700"/>
+          </a:xfrm>
+          <a:prstGeom prst="rect">
+            <a:avLst/>
+          </a:prstGeom>
+        </p:spPr>
+        <p:txBody>
+          <a:bodyPr anchorCtr="0" anchor="t" bIns="91425" lIns="91425" rIns="91425" wrap="square" tIns="91425">
+            <a:noAutofit/>
+          </a:bodyPr>
+          <a:lstStyle/>
+          <a:p>
+            <a:pPr lvl="0" rtl="0">
+              <a:spcBef>
+                <a:spcPts val="0"/>
+              </a:spcBef>
+              <a:buNone/>
+            </a:pPr>
+            <a:r>
+              <a:rPr lang="en-US"/>
+              <a:t>Object(instance) &amp; Class</a:t>
+            </a:r>
+          </a:p>
+        </p:txBody>
+      </p:sp>
+      <p:sp>
+        <p:nvSpPr>
+          <p:cNvPr id="274" name="Shape 274"/>
+          <p:cNvSpPr txBox="1"/>
+          <p:nvPr>
+            <p:ph idx="1" type="body"/>
+          </p:nvPr>
+        </p:nvSpPr>
+        <p:spPr>
+          <a:xfrm>
+            <a:off x="729450" y="2771833"/>
+            <a:ext cx="7688700" cy="3014700"/>
+          </a:xfrm>
+          <a:prstGeom prst="rect">
+            <a:avLst/>
+          </a:prstGeom>
+        </p:spPr>
+        <p:txBody>
+          <a:bodyPr anchorCtr="0" anchor="t" bIns="91425" lIns="91425" rIns="91425" wrap="square" tIns="91425">
+            <a:noAutofit/>
+          </a:bodyPr>
+          <a:lstStyle/>
+          <a:p>
+            <a:pPr lvl="0" rtl="0">
+              <a:spcBef>
+                <a:spcPts val="0"/>
+              </a:spcBef>
+              <a:buNone/>
+            </a:pPr>
+            <a:r>
+              <a:rPr lang="en-US"/>
+              <a:t>The new keyword:</a:t>
+            </a:r>
+          </a:p>
+          <a:p>
+            <a:pPr lvl="0" rtl="0">
+              <a:spcBef>
+                <a:spcPts val="0"/>
+              </a:spcBef>
+              <a:buNone/>
+            </a:pPr>
+            <a:r>
+              <a:rPr lang="en-US"/>
+              <a:t>Car car =new Car();</a:t>
+            </a:r>
+          </a:p>
+          <a:p>
+            <a:pPr lvl="0" rtl="0">
+              <a:spcBef>
+                <a:spcPts val="0"/>
+              </a:spcBef>
+              <a:buNone/>
+            </a:pPr>
+            <a:r>
+              <a:rPr lang="en-US"/>
+              <a:t>Constructor: </a:t>
+            </a:r>
+            <a:r>
+              <a:rPr lang="en-US">
+                <a:solidFill>
+                  <a:srgbClr val="000000"/>
+                </a:solidFill>
+              </a:rPr>
+              <a:t>Every class has a constructor. If we do not explicitly write a constructor for a class, the Java compiler builds a default constructor for that class.</a:t>
+            </a:r>
+          </a:p>
+          <a:p>
+            <a:pPr indent="0" lvl="0" marL="0" marR="25400" rtl="0" algn="just">
+              <a:lnSpc>
+                <a:spcPct val="163636"/>
+              </a:lnSpc>
+              <a:spcBef>
+                <a:spcPts val="0"/>
+              </a:spcBef>
+              <a:spcAft>
+                <a:spcPts val="1100"/>
+              </a:spcAft>
+              <a:buNone/>
+            </a:pPr>
+            <a:r>
+              <a:rPr lang="en-US">
+                <a:solidFill>
+                  <a:srgbClr val="000000"/>
+                </a:solidFill>
+              </a:rPr>
+              <a:t>Each time a new object is created, at least one constructor will be invoked. </a:t>
+            </a:r>
+          </a:p>
+          <a:p>
+            <a:pPr indent="0" lvl="0" marL="0" marR="25400" rtl="0" algn="just">
+              <a:lnSpc>
+                <a:spcPct val="163636"/>
+              </a:lnSpc>
+              <a:spcBef>
+                <a:spcPts val="0"/>
+              </a:spcBef>
+              <a:spcAft>
+                <a:spcPts val="1100"/>
+              </a:spcAft>
+              <a:buNone/>
+            </a:pPr>
+            <a:r>
+              <a:t/>
+            </a:r>
+            <a:endParaRPr>
+              <a:solidFill>
+                <a:srgbClr val="000000"/>
+              </a:solidFill>
+            </a:endParaRPr>
+          </a:p>
+          <a:p>
+            <a:pPr lvl="0" rtl="0">
+              <a:spcBef>
+                <a:spcPts val="0"/>
+              </a:spcBef>
+              <a:buNone/>
+            </a:pPr>
+            <a:r>
+              <a:t/>
+            </a:r>
+            <a:endParaRPr/>
+          </a:p>
+        </p:txBody>
+      </p:sp>
+    </p:spTree>
+  </p:cSld>
+  <p:clrMapOvr>
+    <a:masterClrMapping/>
+  </p:clrMapOvr>
+</p:sld>
+</file>
+
+<file path=ppt/slides/slide23.xml><?xml version="1.0" encoding="utf-8"?>
+<p:sld xmlns:a="http://schemas.openxmlformats.org/drawingml/2006/main" xmlns:r="http://schemas.openxmlformats.org/officeDocument/2006/relationships" xmlns:mc="http://schemas.openxmlformats.org/markup-compatibility/2006" xmlns:mv="urn:schemas-microsoft-com:mac:vml" xmlns:p="http://schemas.openxmlformats.org/presentationml/2006/main" xmlns:c="http://schemas.openxmlformats.org/drawingml/2006/chart" xmlns:dgm="http://schemas.openxmlformats.org/drawingml/2006/diagram" xmlns:o="urn:schemas-microsoft-com:office:office" xmlns:v="urn:schemas-microsoft-com:vml" xmlns:pvml="urn:schemas-microsoft-com:office:powerpoint" xmlns:com="http://schemas.openxmlformats.org/drawingml/2006/compatibility" xmlns:p14="http://schemas.microsoft.com/office/powerpoint/2010/main" xmlns:p15="http://schemas.microsoft.com/office/powerpoint/2012/main">
+  <p:cSld>
+    <p:spTree>
+      <p:nvGrpSpPr>
+        <p:cNvPr id="280" name="Shape 280"/>
+        <p:cNvGrpSpPr/>
+        <p:nvPr/>
+      </p:nvGrpSpPr>
+      <p:grpSpPr>
+        <a:xfrm>
+          <a:off x="0" y="0"/>
+          <a:ext cx="0" cy="0"/>
+          <a:chOff x="0" y="0"/>
+          <a:chExt cx="0" cy="0"/>
+        </a:xfrm>
+      </p:grpSpPr>
+      <p:sp>
+        <p:nvSpPr>
+          <p:cNvPr id="281" name="Shape 281"/>
+          <p:cNvSpPr txBox="1"/>
+          <p:nvPr>
+            <p:ph idx="1" type="body"/>
+          </p:nvPr>
+        </p:nvSpPr>
+        <p:spPr>
+          <a:xfrm>
+            <a:off x="729450" y="2771825"/>
+            <a:ext cx="2375100" cy="3014700"/>
+          </a:xfrm>
+          <a:prstGeom prst="rect">
+            <a:avLst/>
+          </a:prstGeom>
+        </p:spPr>
+        <p:txBody>
+          <a:bodyPr anchorCtr="0" anchor="t" bIns="91425" lIns="91425" rIns="91425" wrap="square" tIns="91425">
+            <a:noAutofit/>
+          </a:bodyPr>
+          <a:lstStyle/>
+          <a:p>
+            <a:pPr lvl="0" rtl="0">
+              <a:lnSpc>
+                <a:spcPct val="100000"/>
+              </a:lnSpc>
+              <a:spcBef>
+                <a:spcPts val="0"/>
+              </a:spcBef>
+              <a:spcAft>
+                <a:spcPts val="0"/>
+              </a:spcAft>
+              <a:buNone/>
+            </a:pPr>
+            <a:r>
+              <a:rPr lang="en-US">
+                <a:solidFill>
+                  <a:srgbClr val="000000"/>
+                </a:solidFill>
+              </a:rPr>
+              <a:t>Variables</a:t>
+            </a:r>
+          </a:p>
+          <a:p>
+            <a:pPr indent="-228600" lvl="0" marL="457200" rtl="0">
+              <a:lnSpc>
+                <a:spcPct val="100000"/>
+              </a:lnSpc>
+              <a:spcBef>
+                <a:spcPts val="0"/>
+              </a:spcBef>
+              <a:spcAft>
+                <a:spcPts val="0"/>
+              </a:spcAft>
+              <a:buClr>
+                <a:srgbClr val="000000"/>
+              </a:buClr>
+            </a:pPr>
+            <a:r>
+              <a:rPr lang="en-US">
+                <a:solidFill>
+                  <a:srgbClr val="000000"/>
+                </a:solidFill>
+              </a:rPr>
+              <a:t>Modifier</a:t>
+            </a:r>
+          </a:p>
+          <a:p>
+            <a:pPr indent="-228600" lvl="0" marL="457200" rtl="0">
+              <a:lnSpc>
+                <a:spcPct val="100000"/>
+              </a:lnSpc>
+              <a:spcBef>
+                <a:spcPts val="0"/>
+              </a:spcBef>
+              <a:spcAft>
+                <a:spcPts val="0"/>
+              </a:spcAft>
+              <a:buClr>
+                <a:srgbClr val="000000"/>
+              </a:buClr>
+            </a:pPr>
+            <a:r>
+              <a:rPr lang="en-US">
+                <a:solidFill>
+                  <a:srgbClr val="000000"/>
+                </a:solidFill>
+              </a:rPr>
+              <a:t>Scope</a:t>
+            </a:r>
+          </a:p>
+          <a:p>
+            <a:pPr indent="-228600" lvl="0" marL="457200" rtl="0">
+              <a:lnSpc>
+                <a:spcPct val="100000"/>
+              </a:lnSpc>
+              <a:spcBef>
+                <a:spcPts val="0"/>
+              </a:spcBef>
+              <a:spcAft>
+                <a:spcPts val="0"/>
+              </a:spcAft>
+              <a:buClr>
+                <a:srgbClr val="000000"/>
+              </a:buClr>
+            </a:pPr>
+            <a:r>
+              <a:rPr lang="en-US">
+                <a:solidFill>
+                  <a:srgbClr val="000000"/>
+                </a:solidFill>
+              </a:rPr>
+              <a:t>Static</a:t>
+            </a:r>
+          </a:p>
+          <a:p>
+            <a:pPr indent="-228600" lvl="0" marL="457200" rtl="0">
+              <a:lnSpc>
+                <a:spcPct val="100000"/>
+              </a:lnSpc>
+              <a:spcBef>
+                <a:spcPts val="0"/>
+              </a:spcBef>
+              <a:spcAft>
+                <a:spcPts val="0"/>
+              </a:spcAft>
+              <a:buClr>
+                <a:srgbClr val="000000"/>
+              </a:buClr>
+            </a:pPr>
+            <a:r>
+              <a:rPr lang="en-US">
+                <a:solidFill>
+                  <a:srgbClr val="000000"/>
+                </a:solidFill>
+              </a:rPr>
+              <a:t>This keyword</a:t>
+            </a:r>
+          </a:p>
+          <a:p>
+            <a:pPr lvl="0" rtl="0">
+              <a:lnSpc>
+                <a:spcPct val="100000"/>
+              </a:lnSpc>
+              <a:spcBef>
+                <a:spcPts val="0"/>
+              </a:spcBef>
+              <a:spcAft>
+                <a:spcPts val="0"/>
+              </a:spcAft>
+              <a:buNone/>
+            </a:pPr>
+            <a:r>
+              <a:t/>
+            </a:r>
+            <a:endParaRPr>
+              <a:solidFill>
+                <a:srgbClr val="000000"/>
+              </a:solidFill>
+            </a:endParaRPr>
+          </a:p>
+          <a:p>
+            <a:pPr lvl="0" rtl="0">
+              <a:lnSpc>
+                <a:spcPct val="100000"/>
+              </a:lnSpc>
+              <a:spcBef>
+                <a:spcPts val="0"/>
+              </a:spcBef>
+              <a:spcAft>
+                <a:spcPts val="0"/>
+              </a:spcAft>
+              <a:buNone/>
+            </a:pPr>
+            <a:r>
+              <a:rPr lang="en-US">
+                <a:solidFill>
+                  <a:srgbClr val="000000"/>
+                </a:solidFill>
+              </a:rPr>
+              <a:t>Methods</a:t>
+            </a:r>
+          </a:p>
+          <a:p>
+            <a:pPr indent="-228600" lvl="0" marL="457200" rtl="0">
+              <a:lnSpc>
+                <a:spcPct val="100000"/>
+              </a:lnSpc>
+              <a:spcBef>
+                <a:spcPts val="0"/>
+              </a:spcBef>
+              <a:spcAft>
+                <a:spcPts val="0"/>
+              </a:spcAft>
+              <a:buClr>
+                <a:srgbClr val="000000"/>
+              </a:buClr>
+            </a:pPr>
+            <a:r>
+              <a:rPr lang="en-US">
+                <a:solidFill>
+                  <a:srgbClr val="000000"/>
+                </a:solidFill>
+              </a:rPr>
+              <a:t>Modifier</a:t>
+            </a:r>
+          </a:p>
+          <a:p>
+            <a:pPr indent="-228600" lvl="0" marL="457200" rtl="0">
+              <a:lnSpc>
+                <a:spcPct val="100000"/>
+              </a:lnSpc>
+              <a:spcBef>
+                <a:spcPts val="0"/>
+              </a:spcBef>
+              <a:spcAft>
+                <a:spcPts val="0"/>
+              </a:spcAft>
+              <a:buClr>
+                <a:srgbClr val="000000"/>
+              </a:buClr>
+            </a:pPr>
+            <a:r>
+              <a:rPr lang="en-US">
+                <a:solidFill>
+                  <a:srgbClr val="000000"/>
+                </a:solidFill>
+              </a:rPr>
+              <a:t>Access level</a:t>
+            </a:r>
+          </a:p>
+          <a:p>
+            <a:pPr indent="-228600" lvl="0" marL="457200" rtl="0">
+              <a:lnSpc>
+                <a:spcPct val="100000"/>
+              </a:lnSpc>
+              <a:spcBef>
+                <a:spcPts val="0"/>
+              </a:spcBef>
+              <a:spcAft>
+                <a:spcPts val="0"/>
+              </a:spcAft>
+              <a:buClr>
+                <a:srgbClr val="000000"/>
+              </a:buClr>
+            </a:pPr>
+            <a:r>
+              <a:rPr lang="en-US">
+                <a:solidFill>
+                  <a:srgbClr val="000000"/>
+                </a:solidFill>
+              </a:rPr>
+              <a:t>Static</a:t>
+            </a:r>
+          </a:p>
+          <a:p>
+            <a:pPr indent="-228600" lvl="0" marL="457200" rtl="0">
+              <a:lnSpc>
+                <a:spcPct val="100000"/>
+              </a:lnSpc>
+              <a:spcBef>
+                <a:spcPts val="0"/>
+              </a:spcBef>
+              <a:spcAft>
+                <a:spcPts val="0"/>
+              </a:spcAft>
+              <a:buClr>
+                <a:srgbClr val="000000"/>
+              </a:buClr>
+            </a:pPr>
+            <a:r>
+              <a:rPr lang="en-US">
+                <a:solidFill>
+                  <a:srgbClr val="000000"/>
+                </a:solidFill>
+              </a:rPr>
+              <a:t>This keyword</a:t>
+            </a:r>
+          </a:p>
+          <a:p>
+            <a:pPr lvl="0" rtl="0">
+              <a:lnSpc>
+                <a:spcPct val="100000"/>
+              </a:lnSpc>
+              <a:spcBef>
+                <a:spcPts val="0"/>
+              </a:spcBef>
+              <a:spcAft>
+                <a:spcPts val="0"/>
+              </a:spcAft>
+              <a:buNone/>
+            </a:pPr>
+            <a:r>
+              <a:t/>
+            </a:r>
+            <a:endParaRPr>
+              <a:solidFill>
+                <a:srgbClr val="000000"/>
+              </a:solidFill>
+            </a:endParaRPr>
+          </a:p>
+          <a:p>
+            <a:pPr lvl="0" marL="336550" rtl="0">
+              <a:lnSpc>
+                <a:spcPct val="100000"/>
+              </a:lnSpc>
+              <a:spcBef>
+                <a:spcPts val="600"/>
+              </a:spcBef>
+              <a:spcAft>
+                <a:spcPts val="0"/>
+              </a:spcAft>
+              <a:buNone/>
+            </a:pPr>
+            <a:r>
+              <a:t/>
+            </a:r>
+            <a:endParaRPr/>
+          </a:p>
+        </p:txBody>
+      </p:sp>
+      <p:sp>
+        <p:nvSpPr>
+          <p:cNvPr id="282" name="Shape 282"/>
+          <p:cNvSpPr txBox="1"/>
+          <p:nvPr>
+            <p:ph type="title"/>
+          </p:nvPr>
+        </p:nvSpPr>
+        <p:spPr>
+          <a:xfrm>
+            <a:off x="729450" y="1758200"/>
+            <a:ext cx="7688700" cy="713700"/>
+          </a:xfrm>
+          <a:prstGeom prst="rect">
+            <a:avLst/>
+          </a:prstGeom>
+        </p:spPr>
+        <p:txBody>
+          <a:bodyPr anchorCtr="0" anchor="t" bIns="91425" lIns="91425" rIns="91425" wrap="square" tIns="91425">
+            <a:noAutofit/>
+          </a:bodyPr>
+          <a:lstStyle/>
+          <a:p>
+            <a:pPr lvl="0" rtl="0">
+              <a:spcBef>
+                <a:spcPts val="0"/>
+              </a:spcBef>
+              <a:buNone/>
+            </a:pPr>
+            <a:r>
+              <a:rPr lang="en-US"/>
+              <a:t>Members &amp; Modifiers</a:t>
+            </a:r>
+          </a:p>
+        </p:txBody>
+      </p:sp>
+      <p:pic>
+        <p:nvPicPr>
+          <p:cNvPr id="283" name="Shape 283"/>
+          <p:cNvPicPr preferRelativeResize="0"/>
+          <p:nvPr/>
+        </p:nvPicPr>
+        <p:blipFill>
+          <a:blip r:embed="rId3">
+            <a:alphaModFix/>
+          </a:blip>
+          <a:stretch>
+            <a:fillRect/>
+          </a:stretch>
+        </p:blipFill>
+        <p:spPr>
+          <a:xfrm>
+            <a:off x="3642650" y="3169925"/>
+            <a:ext cx="4210050" cy="1323975"/>
+          </a:xfrm>
+          <a:prstGeom prst="rect">
+            <a:avLst/>
+          </a:prstGeom>
+          <a:noFill/>
+          <a:ln>
+            <a:noFill/>
+          </a:ln>
+        </p:spPr>
+      </p:pic>
+    </p:spTree>
+  </p:cSld>
+  <p:clrMapOvr>
+    <a:masterClrMapping/>
+  </p:clrMapOvr>
+  <p:transition spd="med">
+    <p:fade/>
+  </p:transition>
+</p:sld>
+</file>
+
+<file path=ppt/slides/slide24.xml><?xml version="1.0" encoding="utf-8"?>
+<p:sld xmlns:a="http://schemas.openxmlformats.org/drawingml/2006/main" xmlns:r="http://schemas.openxmlformats.org/officeDocument/2006/relationships" xmlns:mc="http://schemas.openxmlformats.org/markup-compatibility/2006" xmlns:mv="urn:schemas-microsoft-com:mac:vml" xmlns:p="http://schemas.openxmlformats.org/presentationml/2006/main" xmlns:c="http://schemas.openxmlformats.org/drawingml/2006/chart" xmlns:dgm="http://schemas.openxmlformats.org/drawingml/2006/diagram" xmlns:o="urn:schemas-microsoft-com:office:office" xmlns:v="urn:schemas-microsoft-com:vml" xmlns:pvml="urn:schemas-microsoft-com:office:powerpoint" xmlns:com="http://schemas.openxmlformats.org/drawingml/2006/compatibility" xmlns:p14="http://schemas.microsoft.com/office/powerpoint/2010/main" xmlns:p15="http://schemas.microsoft.com/office/powerpoint/2012/main">
+  <p:cSld>
+    <p:spTree>
+      <p:nvGrpSpPr>
+        <p:cNvPr id="287" name="Shape 287"/>
+        <p:cNvGrpSpPr/>
+        <p:nvPr/>
+      </p:nvGrpSpPr>
+      <p:grpSpPr>
+        <a:xfrm>
+          <a:off x="0" y="0"/>
+          <a:ext cx="0" cy="0"/>
+          <a:chOff x="0" y="0"/>
+          <a:chExt cx="0" cy="0"/>
+        </a:xfrm>
+      </p:grpSpPr>
+      <p:sp>
+        <p:nvSpPr>
+          <p:cNvPr id="288" name="Shape 288"/>
+          <p:cNvSpPr txBox="1"/>
+          <p:nvPr>
+            <p:ph idx="1" type="body"/>
+          </p:nvPr>
+        </p:nvSpPr>
+        <p:spPr>
+          <a:xfrm>
+            <a:off x="729450" y="2771825"/>
+            <a:ext cx="3334500" cy="3014700"/>
+          </a:xfrm>
+          <a:prstGeom prst="rect">
+            <a:avLst/>
+          </a:prstGeom>
+        </p:spPr>
+        <p:txBody>
+          <a:bodyPr anchorCtr="0" anchor="t" bIns="91425" lIns="91425" rIns="91425" wrap="square" tIns="91425">
+            <a:noAutofit/>
+          </a:bodyPr>
+          <a:lstStyle/>
+          <a:p>
+            <a:pPr lvl="0" rtl="0">
+              <a:spcBef>
+                <a:spcPts val="0"/>
+              </a:spcBef>
+              <a:buNone/>
+            </a:pPr>
+            <a:r>
+              <a:rPr lang="en-US">
+                <a:solidFill>
+                  <a:srgbClr val="000000"/>
+                </a:solidFill>
+              </a:rPr>
+              <a:t>Inheritance provides a powerful and natural mechanism for organizing and structuring your software. This section explains how classes inherit state and behavior from their superclasses, and explains how to derive one class from another using the simple syntax provided by the Java programming language.</a:t>
+            </a:r>
+          </a:p>
+        </p:txBody>
+      </p:sp>
+      <p:pic>
+        <p:nvPicPr>
+          <p:cNvPr id="289" name="Shape 289"/>
+          <p:cNvPicPr preferRelativeResize="0"/>
+          <p:nvPr/>
+        </p:nvPicPr>
+        <p:blipFill rotWithShape="1">
+          <a:blip r:embed="rId3">
+            <a:alphaModFix/>
+          </a:blip>
+          <a:srcRect b="0" l="0" r="0" t="0"/>
+          <a:stretch/>
+        </p:blipFill>
+        <p:spPr>
+          <a:xfrm>
+            <a:off x="4305450" y="2771823"/>
+            <a:ext cx="4112700" cy="3562500"/>
+          </a:xfrm>
+          <a:prstGeom prst="rect">
+            <a:avLst/>
+          </a:prstGeom>
+          <a:noFill/>
+          <a:ln>
+            <a:noFill/>
+          </a:ln>
+        </p:spPr>
+      </p:pic>
+      <p:sp>
+        <p:nvSpPr>
+          <p:cNvPr id="290" name="Shape 290"/>
+          <p:cNvSpPr txBox="1"/>
+          <p:nvPr>
+            <p:ph type="title"/>
+          </p:nvPr>
+        </p:nvSpPr>
+        <p:spPr>
+          <a:xfrm>
+            <a:off x="729450" y="1758200"/>
+            <a:ext cx="7688700" cy="713700"/>
+          </a:xfrm>
+          <a:prstGeom prst="rect">
+            <a:avLst/>
+          </a:prstGeom>
+        </p:spPr>
+        <p:txBody>
+          <a:bodyPr anchorCtr="0" anchor="t" bIns="91425" lIns="91425" rIns="91425" wrap="square" tIns="91425">
+            <a:noAutofit/>
+          </a:bodyPr>
+          <a:lstStyle/>
+          <a:p>
+            <a:pPr lvl="0" rtl="0">
+              <a:spcBef>
+                <a:spcPts val="0"/>
+              </a:spcBef>
+              <a:buNone/>
+            </a:pPr>
+            <a:r>
+              <a:rPr lang="en-US"/>
+              <a:t>Inheritance</a:t>
+            </a:r>
+          </a:p>
+        </p:txBody>
+      </p:sp>
+    </p:spTree>
+  </p:cSld>
+  <p:clrMapOvr>
+    <a:masterClrMapping/>
+  </p:clrMapOvr>
+  <p:transition spd="med">
+    <p:fade/>
+  </p:transition>
+</p:sld>
+</file>
+
+<file path=ppt/slides/slide25.xml><?xml version="1.0" encoding="utf-8"?>
+<p:sld xmlns:a="http://schemas.openxmlformats.org/drawingml/2006/main" xmlns:r="http://schemas.openxmlformats.org/officeDocument/2006/relationships" xmlns:mc="http://schemas.openxmlformats.org/markup-compatibility/2006" xmlns:mv="urn:schemas-microsoft-com:mac:vml" xmlns:p="http://schemas.openxmlformats.org/presentationml/2006/main" xmlns:c="http://schemas.openxmlformats.org/drawingml/2006/chart" xmlns:dgm="http://schemas.openxmlformats.org/drawingml/2006/diagram" xmlns:o="urn:schemas-microsoft-com:office:office" xmlns:v="urn:schemas-microsoft-com:vml" xmlns:pvml="urn:schemas-microsoft-com:office:powerpoint" xmlns:com="http://schemas.openxmlformats.org/drawingml/2006/compatibility" xmlns:p14="http://schemas.microsoft.com/office/powerpoint/2010/main" xmlns:p15="http://schemas.microsoft.com/office/powerpoint/2012/main">
+  <p:cSld>
+    <p:spTree>
+      <p:nvGrpSpPr>
+        <p:cNvPr id="296" name="Shape 296"/>
+        <p:cNvGrpSpPr/>
+        <p:nvPr/>
+      </p:nvGrpSpPr>
+      <p:grpSpPr>
+        <a:xfrm>
+          <a:off x="0" y="0"/>
+          <a:ext cx="0" cy="0"/>
+          <a:chOff x="0" y="0"/>
+          <a:chExt cx="0" cy="0"/>
+        </a:xfrm>
+      </p:grpSpPr>
+      <p:sp>
+        <p:nvSpPr>
+          <p:cNvPr id="297" name="Shape 297"/>
+          <p:cNvSpPr txBox="1"/>
+          <p:nvPr>
+            <p:ph type="title"/>
+          </p:nvPr>
+        </p:nvSpPr>
+        <p:spPr>
+          <a:xfrm>
+            <a:off x="729450" y="1758200"/>
+            <a:ext cx="7688700" cy="713700"/>
+          </a:xfrm>
+          <a:prstGeom prst="rect">
+            <a:avLst/>
+          </a:prstGeom>
+        </p:spPr>
+        <p:txBody>
+          <a:bodyPr anchorCtr="0" anchor="t" bIns="91425" lIns="91425" rIns="91425" wrap="square" tIns="91425">
+            <a:noAutofit/>
+          </a:bodyPr>
+          <a:lstStyle/>
+          <a:p>
+            <a:pPr lvl="0" rtl="0">
+              <a:spcBef>
+                <a:spcPts val="0"/>
+              </a:spcBef>
+              <a:buNone/>
+            </a:pPr>
+            <a:r>
+              <a:rPr lang="en-US"/>
+              <a:t>Inheritance</a:t>
+            </a:r>
+          </a:p>
+        </p:txBody>
+      </p:sp>
+      <p:sp>
+        <p:nvSpPr>
+          <p:cNvPr id="298" name="Shape 298"/>
+          <p:cNvSpPr txBox="1"/>
+          <p:nvPr>
+            <p:ph idx="1" type="body"/>
+          </p:nvPr>
+        </p:nvSpPr>
+        <p:spPr>
+          <a:xfrm>
+            <a:off x="729450" y="2771833"/>
+            <a:ext cx="7688700" cy="3014700"/>
+          </a:xfrm>
+          <a:prstGeom prst="rect">
+            <a:avLst/>
+          </a:prstGeom>
+        </p:spPr>
+        <p:txBody>
+          <a:bodyPr anchorCtr="0" anchor="t" bIns="91425" lIns="91425" rIns="91425" wrap="square" tIns="91425">
+            <a:noAutofit/>
+          </a:bodyPr>
+          <a:lstStyle/>
+          <a:p>
+            <a:pPr lvl="0" rtl="0">
+              <a:spcBef>
+                <a:spcPts val="0"/>
+              </a:spcBef>
+              <a:buNone/>
+            </a:pPr>
+            <a:r>
+              <a:rPr lang="en-US">
+                <a:solidFill>
+                  <a:srgbClr val="222222"/>
+                </a:solidFill>
+                <a:highlight>
+                  <a:srgbClr val="FFFFFF"/>
+                </a:highlight>
+              </a:rPr>
+              <a:t>Overriding and overloading</a:t>
+            </a:r>
+          </a:p>
+          <a:p>
+            <a:pPr lvl="0" rtl="0">
+              <a:spcBef>
+                <a:spcPts val="0"/>
+              </a:spcBef>
+              <a:buNone/>
+            </a:pPr>
+            <a:r>
+              <a:rPr lang="en-US">
+                <a:solidFill>
+                  <a:srgbClr val="222222"/>
+                </a:solidFill>
+                <a:highlight>
+                  <a:srgbClr val="FFFFFF"/>
+                </a:highlight>
+              </a:rPr>
+              <a:t>The real object type in the run-time, not the reference variable's type, determines which overridden method is used at </a:t>
+            </a:r>
+            <a:r>
+              <a:rPr i="1" lang="en-US">
+                <a:solidFill>
+                  <a:srgbClr val="222222"/>
+                </a:solidFill>
+                <a:highlight>
+                  <a:srgbClr val="FFFFFF"/>
+                </a:highlight>
+              </a:rPr>
+              <a:t>runtime</a:t>
+            </a:r>
+            <a:r>
+              <a:rPr lang="en-US">
+                <a:solidFill>
+                  <a:srgbClr val="222222"/>
+                </a:solidFill>
+                <a:highlight>
+                  <a:srgbClr val="FFFFFF"/>
+                </a:highlight>
+              </a:rPr>
+              <a:t>. In contrast, reference type determines which overloaded method will be used at </a:t>
+            </a:r>
+            <a:r>
+              <a:rPr i="1" lang="en-US">
+                <a:solidFill>
+                  <a:srgbClr val="222222"/>
+                </a:solidFill>
+                <a:highlight>
+                  <a:srgbClr val="FFFFFF"/>
+                </a:highlight>
+              </a:rPr>
+              <a:t>compile time</a:t>
+            </a:r>
+            <a:r>
+              <a:rPr lang="en-US">
+                <a:solidFill>
+                  <a:srgbClr val="222222"/>
+                </a:solidFill>
+                <a:highlight>
+                  <a:srgbClr val="FFFFFF"/>
+                </a:highlight>
+              </a:rPr>
+              <a:t>.</a:t>
+            </a:r>
+          </a:p>
+          <a:p>
+            <a:pPr lvl="0" rtl="0">
+              <a:spcBef>
+                <a:spcPts val="0"/>
+              </a:spcBef>
+              <a:buNone/>
+            </a:pPr>
+            <a:r>
+              <a:rPr lang="en-US">
+                <a:solidFill>
+                  <a:srgbClr val="222222"/>
+                </a:solidFill>
+                <a:highlight>
+                  <a:srgbClr val="FFFFFF"/>
+                </a:highlight>
+              </a:rPr>
+              <a:t>Polymorphism applies to overriding, not to overloading.</a:t>
+            </a:r>
+          </a:p>
+          <a:p>
+            <a:pPr lvl="0" rtl="0">
+              <a:spcBef>
+                <a:spcPts val="0"/>
+              </a:spcBef>
+              <a:buNone/>
+            </a:pPr>
+            <a:r>
+              <a:rPr lang="en-US">
+                <a:solidFill>
+                  <a:srgbClr val="222222"/>
+                </a:solidFill>
+                <a:highlight>
+                  <a:srgbClr val="FFFFFF"/>
+                </a:highlight>
+              </a:rPr>
+              <a:t>Overriding is a run-time concept while overloading is a compile-time concept.</a:t>
+            </a:r>
+          </a:p>
+        </p:txBody>
+      </p:sp>
+    </p:spTree>
+  </p:cSld>
+  <p:clrMapOvr>
+    <a:masterClrMapping/>
+  </p:clrMapOvr>
 </p:sld>
 </file>
 
@@ -12632,6 +17129,285 @@
 </file>
 
 <file path=ppt/theme/theme1.xml><?xml version="1.0" encoding="utf-8"?>
+<a:theme xmlns:a="http://schemas.openxmlformats.org/drawingml/2006/main" xmlns:r="http://schemas.openxmlformats.org/officeDocument/2006/relationships" name="Streamline">
+  <a:themeElements>
+    <a:clrScheme name="Streamline">
+      <a:dk1>
+        <a:srgbClr val="1A9988"/>
+      </a:dk1>
+      <a:lt1>
+        <a:srgbClr val="FFFFFF"/>
+      </a:lt1>
+      <a:dk2>
+        <a:srgbClr val="1A1A1A"/>
+      </a:dk2>
+      <a:lt2>
+        <a:srgbClr val="E9EDEE"/>
+      </a:lt2>
+      <a:accent1>
+        <a:srgbClr val="595959"/>
+      </a:accent1>
+      <a:accent2>
+        <a:srgbClr val="6AA4C8"/>
+      </a:accent2>
+      <a:accent3>
+        <a:srgbClr val="EB5600"/>
+      </a:accent3>
+      <a:accent4>
+        <a:srgbClr val="A2FFE8"/>
+      </a:accent4>
+      <a:accent5>
+        <a:srgbClr val="1C3678"/>
+      </a:accent5>
+      <a:accent6>
+        <a:srgbClr val="FFB8A2"/>
+      </a:accent6>
+      <a:hlink>
+        <a:srgbClr val="1C3678"/>
+      </a:hlink>
+      <a:folHlink>
+        <a:srgbClr val="1C3678"/>
+      </a:folHlink>
+    </a:clrScheme>
+    <a:fontScheme name="Office">
+      <a:majorFont>
+        <a:latin typeface="Arial"/>
+        <a:ea typeface=""/>
+        <a:cs typeface=""/>
+        <a:font script="Jpan" typeface="ＭＳ Ｐゴシック"/>
+        <a:font script="Hang" typeface="맑은 고딕"/>
+        <a:font script="Hans" typeface="宋体"/>
+        <a:font script="Hant" typeface="新細明體"/>
+        <a:font script="Arab" typeface="Times New Roman"/>
+        <a:font script="Hebr" typeface="Times New Roman"/>
+        <a:font script="Thai" typeface="Angsana New"/>
+        <a:font script="Ethi" typeface="Nyala"/>
+        <a:font script="Beng" typeface="Vrinda"/>
+        <a:font script="Gujr" typeface="Shruti"/>
+        <a:font script="Khmr" typeface="MoolBoran"/>
+        <a:font script="Knda" typeface="Tunga"/>
+        <a:font script="Guru" typeface="Raavi"/>
+        <a:font script="Cans" typeface="Euphemia"/>
+        <a:font script="Cher" typeface="Plantagenet Cherokee"/>
+        <a:font script="Yiii" typeface="Microsoft Yi Baiti"/>
+        <a:font script="Tibt" typeface="Microsoft Himalaya"/>
+        <a:font script="Thaa" typeface="MV Boli"/>
+        <a:font script="Deva" typeface="Mangal"/>
+        <a:font script="Telu" typeface="Gautami"/>
+        <a:font script="Taml" typeface="Latha"/>
+        <a:font script="Syrc" typeface="Estrangelo Edessa"/>
+        <a:font script="Orya" typeface="Kalinga"/>
+        <a:font script="Mlym" typeface="Kartika"/>
+        <a:font script="Laoo" typeface="DokChampa"/>
+        <a:font script="Sinh" typeface="Iskoola Pota"/>
+        <a:font script="Mong" typeface="Mongolian Baiti"/>
+        <a:font script="Viet" typeface="Times New Roman"/>
+        <a:font script="Uigh" typeface="Microsoft Uighur"/>
+        <a:font script="Geor" typeface="Sylfaen"/>
+      </a:majorFont>
+      <a:minorFont>
+        <a:latin typeface="Arial"/>
+        <a:ea typeface=""/>
+        <a:cs typeface=""/>
+        <a:font script="Jpan" typeface="ＭＳ Ｐゴシック"/>
+        <a:font script="Hang" typeface="맑은 고딕"/>
+        <a:font script="Hans" typeface="宋体"/>
+        <a:font script="Hant" typeface="新細明體"/>
+        <a:font script="Arab" typeface="Arial"/>
+        <a:font script="Hebr" typeface="Arial"/>
+        <a:font script="Thai" typeface="Cordia New"/>
+        <a:font script="Ethi" typeface="Nyala"/>
+        <a:font script="Beng" typeface="Vrinda"/>
+        <a:font script="Gujr" typeface="Shruti"/>
+        <a:font script="Khmr" typeface="DaunPenh"/>
+        <a:font script="Knda" typeface="Tunga"/>
+        <a:font script="Guru" typeface="Raavi"/>
+        <a:font script="Cans" typeface="Euphemia"/>
+        <a:font script="Cher" typeface="Plantagenet Cherokee"/>
+        <a:font script="Yiii" typeface="Microsoft Yi Baiti"/>
+        <a:font script="Tibt" typeface="Microsoft Himalaya"/>
+        <a:font script="Thaa" typeface="MV Boli"/>
+        <a:font script="Deva" typeface="Mangal"/>
+        <a:font script="Telu" typeface="Gautami"/>
+        <a:font script="Taml" typeface="Latha"/>
+        <a:font script="Syrc" typeface="Estrangelo Edessa"/>
+        <a:font script="Orya" typeface="Kalinga"/>
+        <a:font script="Mlym" typeface="Kartika"/>
+        <a:font script="Laoo" typeface="DokChampa"/>
+        <a:font script="Sinh" typeface="Iskoola Pota"/>
+        <a:font script="Mong" typeface="Mongolian Baiti"/>
+        <a:font script="Viet" typeface="Arial"/>
+        <a:font script="Uigh" typeface="Microsoft Uighur"/>
+        <a:font script="Geor" typeface="Sylfaen"/>
+      </a:minorFont>
+    </a:fontScheme>
+    <a:fmtScheme name="Office">
+      <a:fillStyleLst>
+        <a:solidFill>
+          <a:schemeClr val="phClr"/>
+        </a:solidFill>
+        <a:gradFill rotWithShape="1">
+          <a:gsLst>
+            <a:gs pos="0">
+              <a:schemeClr val="phClr">
+                <a:tint val="50000"/>
+                <a:satMod val="300000"/>
+              </a:schemeClr>
+            </a:gs>
+            <a:gs pos="35000">
+              <a:schemeClr val="phClr">
+                <a:tint val="37000"/>
+                <a:satMod val="300000"/>
+              </a:schemeClr>
+            </a:gs>
+            <a:gs pos="100000">
+              <a:schemeClr val="phClr">
+                <a:tint val="15000"/>
+                <a:satMod val="350000"/>
+              </a:schemeClr>
+            </a:gs>
+          </a:gsLst>
+          <a:lin ang="16200000" scaled="1"/>
+        </a:gradFill>
+        <a:gradFill rotWithShape="1">
+          <a:gsLst>
+            <a:gs pos="0">
+              <a:schemeClr val="phClr">
+                <a:tint val="100000"/>
+                <a:shade val="100000"/>
+                <a:satMod val="130000"/>
+              </a:schemeClr>
+            </a:gs>
+            <a:gs pos="100000">
+              <a:schemeClr val="phClr">
+                <a:tint val="50000"/>
+                <a:shade val="100000"/>
+                <a:satMod val="350000"/>
+              </a:schemeClr>
+            </a:gs>
+          </a:gsLst>
+          <a:lin ang="16200000" scaled="0"/>
+        </a:gradFill>
+      </a:fillStyleLst>
+      <a:lnStyleLst>
+        <a:ln w="9525" cap="flat" cmpd="sng" algn="ctr">
+          <a:solidFill>
+            <a:schemeClr val="phClr">
+              <a:shade val="95000"/>
+              <a:satMod val="105000"/>
+            </a:schemeClr>
+          </a:solidFill>
+          <a:prstDash val="solid"/>
+        </a:ln>
+        <a:ln w="25400" cap="flat" cmpd="sng" algn="ctr">
+          <a:solidFill>
+            <a:schemeClr val="phClr"/>
+          </a:solidFill>
+          <a:prstDash val="solid"/>
+        </a:ln>
+        <a:ln w="38100" cap="flat" cmpd="sng" algn="ctr">
+          <a:solidFill>
+            <a:schemeClr val="phClr"/>
+          </a:solidFill>
+          <a:prstDash val="solid"/>
+        </a:ln>
+      </a:lnStyleLst>
+      <a:effectStyleLst>
+        <a:effectStyle>
+          <a:effectLst>
+            <a:outerShdw blurRad="40000" dist="20000" dir="5400000" rotWithShape="0">
+              <a:srgbClr val="000000">
+                <a:alpha val="38000"/>
+              </a:srgbClr>
+            </a:outerShdw>
+          </a:effectLst>
+        </a:effectStyle>
+        <a:effectStyle>
+          <a:effectLst>
+            <a:outerShdw blurRad="40000" dist="23000" dir="5400000" rotWithShape="0">
+              <a:srgbClr val="000000">
+                <a:alpha val="35000"/>
+              </a:srgbClr>
+            </a:outerShdw>
+          </a:effectLst>
+        </a:effectStyle>
+        <a:effectStyle>
+          <a:effectLst>
+            <a:outerShdw blurRad="40000" dist="23000" dir="5400000" rotWithShape="0">
+              <a:srgbClr val="000000">
+                <a:alpha val="35000"/>
+              </a:srgbClr>
+            </a:outerShdw>
+          </a:effectLst>
+          <a:scene3d>
+            <a:camera prst="orthographicFront">
+              <a:rot lat="0" lon="0" rev="0"/>
+            </a:camera>
+            <a:lightRig rig="threePt" dir="t">
+              <a:rot lat="0" lon="0" rev="1200000"/>
+            </a:lightRig>
+          </a:scene3d>
+          <a:sp3d>
+            <a:bevelT w="63500" h="25400"/>
+          </a:sp3d>
+        </a:effectStyle>
+      </a:effectStyleLst>
+      <a:bgFillStyleLst>
+        <a:solidFill>
+          <a:schemeClr val="phClr"/>
+        </a:solidFill>
+        <a:gradFill rotWithShape="1">
+          <a:gsLst>
+            <a:gs pos="0">
+              <a:schemeClr val="phClr">
+                <a:tint val="40000"/>
+                <a:satMod val="350000"/>
+              </a:schemeClr>
+            </a:gs>
+            <a:gs pos="40000">
+              <a:schemeClr val="phClr">
+                <a:tint val="45000"/>
+                <a:shade val="99000"/>
+                <a:satMod val="350000"/>
+              </a:schemeClr>
+            </a:gs>
+            <a:gs pos="100000">
+              <a:schemeClr val="phClr">
+                <a:shade val="20000"/>
+                <a:satMod val="255000"/>
+              </a:schemeClr>
+            </a:gs>
+          </a:gsLst>
+          <a:path path="circle">
+            <a:fillToRect l="50000" t="-80000" r="50000" b="180000"/>
+          </a:path>
+        </a:gradFill>
+        <a:gradFill rotWithShape="1">
+          <a:gsLst>
+            <a:gs pos="0">
+              <a:schemeClr val="phClr">
+                <a:tint val="80000"/>
+                <a:satMod val="300000"/>
+              </a:schemeClr>
+            </a:gs>
+            <a:gs pos="100000">
+              <a:schemeClr val="phClr">
+                <a:shade val="30000"/>
+                <a:satMod val="200000"/>
+              </a:schemeClr>
+            </a:gs>
+          </a:gsLst>
+          <a:path path="circle">
+            <a:fillToRect l="50000" t="50000" r="50000" b="50000"/>
+          </a:path>
+        </a:gradFill>
+      </a:bgFillStyleLst>
+    </a:fmtScheme>
+  </a:themeElements>
+</a:theme>
+</file>
+
+<file path=ppt/theme/theme2.xml><?xml version="1.0" encoding="utf-8"?>
 <a:theme xmlns:a="http://schemas.openxmlformats.org/drawingml/2006/main" xmlns:r="http://schemas.openxmlformats.org/officeDocument/2006/relationships" name="Custom Theme">
   <a:themeElements>
     <a:clrScheme name="Default">
@@ -12908,283 +17684,4 @@
     </a:fmtScheme>
   </a:themeElements>
 </a:theme>
-</file>
-
-<file path=ppt/theme/theme2.xml><?xml version="1.0" encoding="utf-8"?>
-<a:theme xmlns:a="http://schemas.openxmlformats.org/drawingml/2006/main" xmlns:r="http://schemas.openxmlformats.org/officeDocument/2006/relationships" name="Streamline">
-  <a:themeElements>
-    <a:clrScheme name="Streamline">
-      <a:dk1>
-        <a:srgbClr val="1A9988"/>
-      </a:dk1>
-      <a:lt1>
-        <a:srgbClr val="FFFFFF"/>
-      </a:lt1>
-      <a:dk2>
-        <a:srgbClr val="1A1A1A"/>
-      </a:dk2>
-      <a:lt2>
-        <a:srgbClr val="E9EDEE"/>
-      </a:lt2>
-      <a:accent1>
-        <a:srgbClr val="595959"/>
-      </a:accent1>
-      <a:accent2>
-        <a:srgbClr val="6AA4C8"/>
-      </a:accent2>
-      <a:accent3>
-        <a:srgbClr val="EB5600"/>
-      </a:accent3>
-      <a:accent4>
-        <a:srgbClr val="A2FFE8"/>
-      </a:accent4>
-      <a:accent5>
-        <a:srgbClr val="1C3678"/>
-      </a:accent5>
-      <a:accent6>
-        <a:srgbClr val="FFB8A2"/>
-      </a:accent6>
-      <a:hlink>
-        <a:srgbClr val="1C3678"/>
-      </a:hlink>
-      <a:folHlink>
-        <a:srgbClr val="1C3678"/>
-      </a:folHlink>
-    </a:clrScheme>
-    <a:fontScheme name="Office">
-      <a:majorFont>
-        <a:latin typeface="Arial"/>
-        <a:ea typeface=""/>
-        <a:cs typeface=""/>
-        <a:font script="Jpan" typeface="ＭＳ Ｐゴシック"/>
-        <a:font script="Hang" typeface="맑은 고딕"/>
-        <a:font script="Hans" typeface="宋体"/>
-        <a:font script="Hant" typeface="新細明體"/>
-        <a:font script="Arab" typeface="Times New Roman"/>
-        <a:font script="Hebr" typeface="Times New Roman"/>
-        <a:font script="Thai" typeface="Angsana New"/>
-        <a:font script="Ethi" typeface="Nyala"/>
-        <a:font script="Beng" typeface="Vrinda"/>
-        <a:font script="Gujr" typeface="Shruti"/>
-        <a:font script="Khmr" typeface="MoolBoran"/>
-        <a:font script="Knda" typeface="Tunga"/>
-        <a:font script="Guru" typeface="Raavi"/>
-        <a:font script="Cans" typeface="Euphemia"/>
-        <a:font script="Cher" typeface="Plantagenet Cherokee"/>
-        <a:font script="Yiii" typeface="Microsoft Yi Baiti"/>
-        <a:font script="Tibt" typeface="Microsoft Himalaya"/>
-        <a:font script="Thaa" typeface="MV Boli"/>
-        <a:font script="Deva" typeface="Mangal"/>
-        <a:font script="Telu" typeface="Gautami"/>
-        <a:font script="Taml" typeface="Latha"/>
-        <a:font script="Syrc" typeface="Estrangelo Edessa"/>
-        <a:font script="Orya" typeface="Kalinga"/>
-        <a:font script="Mlym" typeface="Kartika"/>
-        <a:font script="Laoo" typeface="DokChampa"/>
-        <a:font script="Sinh" typeface="Iskoola Pota"/>
-        <a:font script="Mong" typeface="Mongolian Baiti"/>
-        <a:font script="Viet" typeface="Times New Roman"/>
-        <a:font script="Uigh" typeface="Microsoft Uighur"/>
-        <a:font script="Geor" typeface="Sylfaen"/>
-      </a:majorFont>
-      <a:minorFont>
-        <a:latin typeface="Arial"/>
-        <a:ea typeface=""/>
-        <a:cs typeface=""/>
-        <a:font script="Jpan" typeface="ＭＳ Ｐゴシック"/>
-        <a:font script="Hang" typeface="맑은 고딕"/>
-        <a:font script="Hans" typeface="宋体"/>
-        <a:font script="Hant" typeface="新細明體"/>
-        <a:font script="Arab" typeface="Arial"/>
-        <a:font script="Hebr" typeface="Arial"/>
-        <a:font script="Thai" typeface="Cordia New"/>
-        <a:font script="Ethi" typeface="Nyala"/>
-        <a:font script="Beng" typeface="Vrinda"/>
-        <a:font script="Gujr" typeface="Shruti"/>
-        <a:font script="Khmr" typeface="DaunPenh"/>
-        <a:font script="Knda" typeface="Tunga"/>
-        <a:font script="Guru" typeface="Raavi"/>
-        <a:font script="Cans" typeface="Euphemia"/>
-        <a:font script="Cher" typeface="Plantagenet Cherokee"/>
-        <a:font script="Yiii" typeface="Microsoft Yi Baiti"/>
-        <a:font script="Tibt" typeface="Microsoft Himalaya"/>
-        <a:font script="Thaa" typeface="MV Boli"/>
-        <a:font script="Deva" typeface="Mangal"/>
-        <a:font script="Telu" typeface="Gautami"/>
-        <a:font script="Taml" typeface="Latha"/>
-        <a:font script="Syrc" typeface="Estrangelo Edessa"/>
-        <a:font script="Orya" typeface="Kalinga"/>
-        <a:font script="Mlym" typeface="Kartika"/>
-        <a:font script="Laoo" typeface="DokChampa"/>
-        <a:font script="Sinh" typeface="Iskoola Pota"/>
-        <a:font script="Mong" typeface="Mongolian Baiti"/>
-        <a:font script="Viet" typeface="Arial"/>
-        <a:font script="Uigh" typeface="Microsoft Uighur"/>
-        <a:font script="Geor" typeface="Sylfaen"/>
-      </a:minorFont>
-    </a:fontScheme>
-    <a:fmtScheme name="Office">
-      <a:fillStyleLst>
-        <a:solidFill>
-          <a:schemeClr val="phClr"/>
-        </a:solidFill>
-        <a:gradFill rotWithShape="1">
-          <a:gsLst>
-            <a:gs pos="0">
-              <a:schemeClr val="phClr">
-                <a:tint val="50000"/>
-                <a:satMod val="300000"/>
-              </a:schemeClr>
-            </a:gs>
-            <a:gs pos="35000">
-              <a:schemeClr val="phClr">
-                <a:tint val="37000"/>
-                <a:satMod val="300000"/>
-              </a:schemeClr>
-            </a:gs>
-            <a:gs pos="100000">
-              <a:schemeClr val="phClr">
-                <a:tint val="15000"/>
-                <a:satMod val="350000"/>
-              </a:schemeClr>
-            </a:gs>
-          </a:gsLst>
-          <a:lin ang="16200000" scaled="1"/>
-        </a:gradFill>
-        <a:gradFill rotWithShape="1">
-          <a:gsLst>
-            <a:gs pos="0">
-              <a:schemeClr val="phClr">
-                <a:tint val="100000"/>
-                <a:shade val="100000"/>
-                <a:satMod val="130000"/>
-              </a:schemeClr>
-            </a:gs>
-            <a:gs pos="100000">
-              <a:schemeClr val="phClr">
-                <a:tint val="50000"/>
-                <a:shade val="100000"/>
-                <a:satMod val="350000"/>
-              </a:schemeClr>
-            </a:gs>
-          </a:gsLst>
-          <a:lin ang="16200000" scaled="0"/>
-        </a:gradFill>
-      </a:fillStyleLst>
-      <a:lnStyleLst>
-        <a:ln w="9525" cap="flat" cmpd="sng" algn="ctr">
-          <a:solidFill>
-            <a:schemeClr val="phClr">
-              <a:shade val="95000"/>
-              <a:satMod val="105000"/>
-            </a:schemeClr>
-          </a:solidFill>
-          <a:prstDash val="solid"/>
-        </a:ln>
-        <a:ln w="25400" cap="flat" cmpd="sng" algn="ctr">
-          <a:solidFill>
-            <a:schemeClr val="phClr"/>
-          </a:solidFill>
-          <a:prstDash val="solid"/>
-        </a:ln>
-        <a:ln w="38100" cap="flat" cmpd="sng" algn="ctr">
-          <a:solidFill>
-            <a:schemeClr val="phClr"/>
-          </a:solidFill>
-          <a:prstDash val="solid"/>
-        </a:ln>
-      </a:lnStyleLst>
-      <a:effectStyleLst>
-        <a:effectStyle>
-          <a:effectLst>
-            <a:outerShdw blurRad="40000" dist="20000" dir="5400000" rotWithShape="0">
-              <a:srgbClr val="000000">
-                <a:alpha val="38000"/>
-              </a:srgbClr>
-            </a:outerShdw>
-          </a:effectLst>
-        </a:effectStyle>
-        <a:effectStyle>
-          <a:effectLst>
-            <a:outerShdw blurRad="40000" dist="23000" dir="5400000" rotWithShape="0">
-              <a:srgbClr val="000000">
-                <a:alpha val="35000"/>
-              </a:srgbClr>
-            </a:outerShdw>
-          </a:effectLst>
-        </a:effectStyle>
-        <a:effectStyle>
-          <a:effectLst>
-            <a:outerShdw blurRad="40000" dist="23000" dir="5400000" rotWithShape="0">
-              <a:srgbClr val="000000">
-                <a:alpha val="35000"/>
-              </a:srgbClr>
-            </a:outerShdw>
-          </a:effectLst>
-          <a:scene3d>
-            <a:camera prst="orthographicFront">
-              <a:rot lat="0" lon="0" rev="0"/>
-            </a:camera>
-            <a:lightRig rig="threePt" dir="t">
-              <a:rot lat="0" lon="0" rev="1200000"/>
-            </a:lightRig>
-          </a:scene3d>
-          <a:sp3d>
-            <a:bevelT w="63500" h="25400"/>
-          </a:sp3d>
-        </a:effectStyle>
-      </a:effectStyleLst>
-      <a:bgFillStyleLst>
-        <a:solidFill>
-          <a:schemeClr val="phClr"/>
-        </a:solidFill>
-        <a:gradFill rotWithShape="1">
-          <a:gsLst>
-            <a:gs pos="0">
-              <a:schemeClr val="phClr">
-                <a:tint val="40000"/>
-                <a:satMod val="350000"/>
-              </a:schemeClr>
-            </a:gs>
-            <a:gs pos="40000">
-              <a:schemeClr val="phClr">
-                <a:tint val="45000"/>
-                <a:shade val="99000"/>
-                <a:satMod val="350000"/>
-              </a:schemeClr>
-            </a:gs>
-            <a:gs pos="100000">
-              <a:schemeClr val="phClr">
-                <a:shade val="20000"/>
-                <a:satMod val="255000"/>
-              </a:schemeClr>
-            </a:gs>
-          </a:gsLst>
-          <a:path path="circle">
-            <a:fillToRect l="50000" t="-80000" r="50000" b="180000"/>
-          </a:path>
-        </a:gradFill>
-        <a:gradFill rotWithShape="1">
-          <a:gsLst>
-            <a:gs pos="0">
-              <a:schemeClr val="phClr">
-                <a:tint val="80000"/>
-                <a:satMod val="300000"/>
-              </a:schemeClr>
-            </a:gs>
-            <a:gs pos="100000">
-              <a:schemeClr val="phClr">
-                <a:shade val="30000"/>
-                <a:satMod val="200000"/>
-              </a:schemeClr>
-            </a:gs>
-          </a:gsLst>
-          <a:path path="circle">
-            <a:fillToRect l="50000" t="50000" r="50000" b="50000"/>
-          </a:path>
-        </a:gradFill>
-      </a:bgFillStyleLst>
-    </a:fmtScheme>
-  </a:themeElements>
-</a:theme>
 </file>